--- a/slides/M4_L2_bjp_2.pptx
+++ b/slides/M4_L2_bjp_2.pptx
@@ -20,6 +20,7 @@
     <p:sldId id="266" r:id="rId15"/>
     <p:sldId id="267" r:id="rId16"/>
     <p:sldId id="268" r:id="rId17"/>
+    <p:sldId id="269" r:id="rId18"/>
   </p:sldIdLst>
   <p:sldSz cx="12192000" cy="6858000"/>
   <p:notesSz cx="7772400" cy="10058400"/>
@@ -93,10 +94,10 @@
             <a:noAutofit/>
           </a:bodyPr>
           <a:p>
-            <a:endParaRPr b="0" lang="es-MX" sz="1800" spc="-1" strike="noStrike">
-              <a:solidFill>
-                <a:srgbClr val="000000"/>
-              </a:solidFill>
+            <a:pPr algn="ctr">
+              <a:buNone/>
+            </a:pPr>
+            <a:endParaRPr b="0" lang="en-US" sz="4400" spc="-1" strike="noStrike">
               <a:latin typeface="Arial"/>
             </a:endParaRPr>
           </a:p>
@@ -130,19 +131,7 @@
             <a:normAutofit/>
           </a:bodyPr>
           <a:p>
-            <a:pPr>
-              <a:lnSpc>
-                <a:spcPct val="90000"/>
-              </a:lnSpc>
-              <a:spcBef>
-                <a:spcPts val="1417"/>
-              </a:spcBef>
-              <a:buNone/>
-            </a:pPr>
-            <a:endParaRPr b="0" lang="es-MX" sz="2800" spc="-1" strike="noStrike">
-              <a:solidFill>
-                <a:srgbClr val="000000"/>
-              </a:solidFill>
+            <a:endParaRPr b="0" lang="en-US" sz="3200" spc="-1" strike="noStrike">
               <a:latin typeface="Arial"/>
             </a:endParaRPr>
           </a:p>
@@ -176,19 +165,7 @@
             <a:normAutofit/>
           </a:bodyPr>
           <a:p>
-            <a:pPr>
-              <a:lnSpc>
-                <a:spcPct val="90000"/>
-              </a:lnSpc>
-              <a:spcBef>
-                <a:spcPts val="1417"/>
-              </a:spcBef>
-              <a:buNone/>
-            </a:pPr>
-            <a:endParaRPr b="0" lang="es-MX" sz="2800" spc="-1" strike="noStrike">
-              <a:solidFill>
-                <a:srgbClr val="000000"/>
-              </a:solidFill>
+            <a:endParaRPr b="0" lang="en-US" sz="3200" spc="-1" strike="noStrike">
               <a:latin typeface="Arial"/>
             </a:endParaRPr>
           </a:p>
@@ -244,10 +221,10 @@
             <a:noAutofit/>
           </a:bodyPr>
           <a:p>
-            <a:endParaRPr b="0" lang="es-MX" sz="1800" spc="-1" strike="noStrike">
-              <a:solidFill>
-                <a:srgbClr val="000000"/>
-              </a:solidFill>
+            <a:pPr algn="ctr">
+              <a:buNone/>
+            </a:pPr>
+            <a:endParaRPr b="0" lang="en-US" sz="4400" spc="-1" strike="noStrike">
               <a:latin typeface="Arial"/>
             </a:endParaRPr>
           </a:p>
@@ -281,19 +258,7 @@
             <a:normAutofit/>
           </a:bodyPr>
           <a:p>
-            <a:pPr>
-              <a:lnSpc>
-                <a:spcPct val="90000"/>
-              </a:lnSpc>
-              <a:spcBef>
-                <a:spcPts val="1417"/>
-              </a:spcBef>
-              <a:buNone/>
-            </a:pPr>
-            <a:endParaRPr b="0" lang="es-MX" sz="2800" spc="-1" strike="noStrike">
-              <a:solidFill>
-                <a:srgbClr val="000000"/>
-              </a:solidFill>
+            <a:endParaRPr b="0" lang="en-US" sz="3200" spc="-1" strike="noStrike">
               <a:latin typeface="Arial"/>
             </a:endParaRPr>
           </a:p>
@@ -327,19 +292,7 @@
             <a:normAutofit/>
           </a:bodyPr>
           <a:p>
-            <a:pPr>
-              <a:lnSpc>
-                <a:spcPct val="90000"/>
-              </a:lnSpc>
-              <a:spcBef>
-                <a:spcPts val="1417"/>
-              </a:spcBef>
-              <a:buNone/>
-            </a:pPr>
-            <a:endParaRPr b="0" lang="es-MX" sz="2800" spc="-1" strike="noStrike">
-              <a:solidFill>
-                <a:srgbClr val="000000"/>
-              </a:solidFill>
+            <a:endParaRPr b="0" lang="en-US" sz="3200" spc="-1" strike="noStrike">
               <a:latin typeface="Arial"/>
             </a:endParaRPr>
           </a:p>
@@ -373,19 +326,7 @@
             <a:normAutofit/>
           </a:bodyPr>
           <a:p>
-            <a:pPr>
-              <a:lnSpc>
-                <a:spcPct val="90000"/>
-              </a:lnSpc>
-              <a:spcBef>
-                <a:spcPts val="1417"/>
-              </a:spcBef>
-              <a:buNone/>
-            </a:pPr>
-            <a:endParaRPr b="0" lang="es-MX" sz="2800" spc="-1" strike="noStrike">
-              <a:solidFill>
-                <a:srgbClr val="000000"/>
-              </a:solidFill>
+            <a:endParaRPr b="0" lang="en-US" sz="3200" spc="-1" strike="noStrike">
               <a:latin typeface="Arial"/>
             </a:endParaRPr>
           </a:p>
@@ -419,19 +360,7 @@
             <a:normAutofit/>
           </a:bodyPr>
           <a:p>
-            <a:pPr>
-              <a:lnSpc>
-                <a:spcPct val="90000"/>
-              </a:lnSpc>
-              <a:spcBef>
-                <a:spcPts val="1417"/>
-              </a:spcBef>
-              <a:buNone/>
-            </a:pPr>
-            <a:endParaRPr b="0" lang="es-MX" sz="2800" spc="-1" strike="noStrike">
-              <a:solidFill>
-                <a:srgbClr val="000000"/>
-              </a:solidFill>
+            <a:endParaRPr b="0" lang="en-US" sz="3200" spc="-1" strike="noStrike">
               <a:latin typeface="Arial"/>
             </a:endParaRPr>
           </a:p>
@@ -487,10 +416,10 @@
             <a:noAutofit/>
           </a:bodyPr>
           <a:p>
-            <a:endParaRPr b="0" lang="es-MX" sz="1800" spc="-1" strike="noStrike">
-              <a:solidFill>
-                <a:srgbClr val="000000"/>
-              </a:solidFill>
+            <a:pPr algn="ctr">
+              <a:buNone/>
+            </a:pPr>
+            <a:endParaRPr b="0" lang="en-US" sz="4400" spc="-1" strike="noStrike">
               <a:latin typeface="Arial"/>
             </a:endParaRPr>
           </a:p>
@@ -524,19 +453,7 @@
             <a:normAutofit/>
           </a:bodyPr>
           <a:p>
-            <a:pPr>
-              <a:lnSpc>
-                <a:spcPct val="90000"/>
-              </a:lnSpc>
-              <a:spcBef>
-                <a:spcPts val="1417"/>
-              </a:spcBef>
-              <a:buNone/>
-            </a:pPr>
-            <a:endParaRPr b="0" lang="es-MX" sz="2800" spc="-1" strike="noStrike">
-              <a:solidFill>
-                <a:srgbClr val="000000"/>
-              </a:solidFill>
+            <a:endParaRPr b="0" lang="en-US" sz="3200" spc="-1" strike="noStrike">
               <a:latin typeface="Arial"/>
             </a:endParaRPr>
           </a:p>
@@ -570,19 +487,7 @@
             <a:normAutofit/>
           </a:bodyPr>
           <a:p>
-            <a:pPr>
-              <a:lnSpc>
-                <a:spcPct val="90000"/>
-              </a:lnSpc>
-              <a:spcBef>
-                <a:spcPts val="1417"/>
-              </a:spcBef>
-              <a:buNone/>
-            </a:pPr>
-            <a:endParaRPr b="0" lang="es-MX" sz="2800" spc="-1" strike="noStrike">
-              <a:solidFill>
-                <a:srgbClr val="000000"/>
-              </a:solidFill>
+            <a:endParaRPr b="0" lang="en-US" sz="3200" spc="-1" strike="noStrike">
               <a:latin typeface="Arial"/>
             </a:endParaRPr>
           </a:p>
@@ -616,19 +521,7 @@
             <a:normAutofit/>
           </a:bodyPr>
           <a:p>
-            <a:pPr>
-              <a:lnSpc>
-                <a:spcPct val="90000"/>
-              </a:lnSpc>
-              <a:spcBef>
-                <a:spcPts val="1417"/>
-              </a:spcBef>
-              <a:buNone/>
-            </a:pPr>
-            <a:endParaRPr b="0" lang="es-MX" sz="2800" spc="-1" strike="noStrike">
-              <a:solidFill>
-                <a:srgbClr val="000000"/>
-              </a:solidFill>
+            <a:endParaRPr b="0" lang="en-US" sz="3200" spc="-1" strike="noStrike">
               <a:latin typeface="Arial"/>
             </a:endParaRPr>
           </a:p>
@@ -662,19 +555,7 @@
             <a:normAutofit/>
           </a:bodyPr>
           <a:p>
-            <a:pPr>
-              <a:lnSpc>
-                <a:spcPct val="90000"/>
-              </a:lnSpc>
-              <a:spcBef>
-                <a:spcPts val="1417"/>
-              </a:spcBef>
-              <a:buNone/>
-            </a:pPr>
-            <a:endParaRPr b="0" lang="es-MX" sz="2800" spc="-1" strike="noStrike">
-              <a:solidFill>
-                <a:srgbClr val="000000"/>
-              </a:solidFill>
+            <a:endParaRPr b="0" lang="en-US" sz="3200" spc="-1" strike="noStrike">
               <a:latin typeface="Arial"/>
             </a:endParaRPr>
           </a:p>
@@ -708,19 +589,7 @@
             <a:normAutofit/>
           </a:bodyPr>
           <a:p>
-            <a:pPr>
-              <a:lnSpc>
-                <a:spcPct val="90000"/>
-              </a:lnSpc>
-              <a:spcBef>
-                <a:spcPts val="1417"/>
-              </a:spcBef>
-              <a:buNone/>
-            </a:pPr>
-            <a:endParaRPr b="0" lang="es-MX" sz="2800" spc="-1" strike="noStrike">
-              <a:solidFill>
-                <a:srgbClr val="000000"/>
-              </a:solidFill>
+            <a:endParaRPr b="0" lang="en-US" sz="3200" spc="-1" strike="noStrike">
               <a:latin typeface="Arial"/>
             </a:endParaRPr>
           </a:p>
@@ -754,19 +623,7 @@
             <a:normAutofit/>
           </a:bodyPr>
           <a:p>
-            <a:pPr>
-              <a:lnSpc>
-                <a:spcPct val="90000"/>
-              </a:lnSpc>
-              <a:spcBef>
-                <a:spcPts val="1417"/>
-              </a:spcBef>
-              <a:buNone/>
-            </a:pPr>
-            <a:endParaRPr b="0" lang="es-MX" sz="2800" spc="-1" strike="noStrike">
-              <a:solidFill>
-                <a:srgbClr val="000000"/>
-              </a:solidFill>
+            <a:endParaRPr b="0" lang="en-US" sz="3200" spc="-1" strike="noStrike">
               <a:latin typeface="Arial"/>
             </a:endParaRPr>
           </a:p>
@@ -844,10 +701,10 @@
             <a:noAutofit/>
           </a:bodyPr>
           <a:p>
-            <a:endParaRPr b="0" lang="es-MX" sz="1800" spc="-1" strike="noStrike">
-              <a:solidFill>
-                <a:srgbClr val="000000"/>
-              </a:solidFill>
+            <a:pPr algn="ctr">
+              <a:buNone/>
+            </a:pPr>
+            <a:endParaRPr b="0" lang="en-US" sz="4400" spc="-1" strike="noStrike">
               <a:latin typeface="Arial"/>
             </a:endParaRPr>
           </a:p>
@@ -940,10 +797,10 @@
             <a:noAutofit/>
           </a:bodyPr>
           <a:p>
-            <a:endParaRPr b="0" lang="es-MX" sz="1800" spc="-1" strike="noStrike">
-              <a:solidFill>
-                <a:srgbClr val="000000"/>
-              </a:solidFill>
+            <a:pPr algn="ctr">
+              <a:buNone/>
+            </a:pPr>
+            <a:endParaRPr b="0" lang="en-US" sz="4400" spc="-1" strike="noStrike">
               <a:latin typeface="Arial"/>
             </a:endParaRPr>
           </a:p>
@@ -977,19 +834,7 @@
             <a:normAutofit/>
           </a:bodyPr>
           <a:p>
-            <a:pPr>
-              <a:lnSpc>
-                <a:spcPct val="90000"/>
-              </a:lnSpc>
-              <a:spcBef>
-                <a:spcPts val="1417"/>
-              </a:spcBef>
-              <a:buNone/>
-            </a:pPr>
-            <a:endParaRPr b="0" lang="es-MX" sz="2800" spc="-1" strike="noStrike">
-              <a:solidFill>
-                <a:srgbClr val="000000"/>
-              </a:solidFill>
+            <a:endParaRPr b="0" lang="en-US" sz="3200" spc="-1" strike="noStrike">
               <a:latin typeface="Arial"/>
             </a:endParaRPr>
           </a:p>
@@ -1045,10 +890,10 @@
             <a:noAutofit/>
           </a:bodyPr>
           <a:p>
-            <a:endParaRPr b="0" lang="es-MX" sz="1800" spc="-1" strike="noStrike">
-              <a:solidFill>
-                <a:srgbClr val="000000"/>
-              </a:solidFill>
+            <a:pPr algn="ctr">
+              <a:buNone/>
+            </a:pPr>
+            <a:endParaRPr b="0" lang="en-US" sz="4400" spc="-1" strike="noStrike">
               <a:latin typeface="Arial"/>
             </a:endParaRPr>
           </a:p>
@@ -1082,19 +927,7 @@
             <a:normAutofit/>
           </a:bodyPr>
           <a:p>
-            <a:pPr>
-              <a:lnSpc>
-                <a:spcPct val="90000"/>
-              </a:lnSpc>
-              <a:spcBef>
-                <a:spcPts val="1417"/>
-              </a:spcBef>
-              <a:buNone/>
-            </a:pPr>
-            <a:endParaRPr b="0" lang="es-MX" sz="2800" spc="-1" strike="noStrike">
-              <a:solidFill>
-                <a:srgbClr val="000000"/>
-              </a:solidFill>
+            <a:endParaRPr b="0" lang="en-US" sz="3200" spc="-1" strike="noStrike">
               <a:latin typeface="Arial"/>
             </a:endParaRPr>
           </a:p>
@@ -1128,19 +961,7 @@
             <a:normAutofit/>
           </a:bodyPr>
           <a:p>
-            <a:pPr>
-              <a:lnSpc>
-                <a:spcPct val="90000"/>
-              </a:lnSpc>
-              <a:spcBef>
-                <a:spcPts val="1417"/>
-              </a:spcBef>
-              <a:buNone/>
-            </a:pPr>
-            <a:endParaRPr b="0" lang="es-MX" sz="2800" spc="-1" strike="noStrike">
-              <a:solidFill>
-                <a:srgbClr val="000000"/>
-              </a:solidFill>
+            <a:endParaRPr b="0" lang="en-US" sz="3200" spc="-1" strike="noStrike">
               <a:latin typeface="Arial"/>
             </a:endParaRPr>
           </a:p>
@@ -1196,10 +1017,10 @@
             <a:noAutofit/>
           </a:bodyPr>
           <a:p>
-            <a:endParaRPr b="0" lang="es-MX" sz="1800" spc="-1" strike="noStrike">
-              <a:solidFill>
-                <a:srgbClr val="000000"/>
-              </a:solidFill>
+            <a:pPr algn="ctr">
+              <a:buNone/>
+            </a:pPr>
+            <a:endParaRPr b="0" lang="en-US" sz="4400" spc="-1" strike="noStrike">
               <a:latin typeface="Arial"/>
             </a:endParaRPr>
           </a:p>
@@ -1314,10 +1135,10 @@
             <a:noAutofit/>
           </a:bodyPr>
           <a:p>
-            <a:endParaRPr b="0" lang="es-MX" sz="1800" spc="-1" strike="noStrike">
-              <a:solidFill>
-                <a:srgbClr val="000000"/>
-              </a:solidFill>
+            <a:pPr algn="ctr">
+              <a:buNone/>
+            </a:pPr>
+            <a:endParaRPr b="0" lang="en-US" sz="4400" spc="-1" strike="noStrike">
               <a:latin typeface="Arial"/>
             </a:endParaRPr>
           </a:p>
@@ -1351,19 +1172,7 @@
             <a:normAutofit/>
           </a:bodyPr>
           <a:p>
-            <a:pPr>
-              <a:lnSpc>
-                <a:spcPct val="90000"/>
-              </a:lnSpc>
-              <a:spcBef>
-                <a:spcPts val="1417"/>
-              </a:spcBef>
-              <a:buNone/>
-            </a:pPr>
-            <a:endParaRPr b="0" lang="es-MX" sz="2800" spc="-1" strike="noStrike">
-              <a:solidFill>
-                <a:srgbClr val="000000"/>
-              </a:solidFill>
+            <a:endParaRPr b="0" lang="en-US" sz="3200" spc="-1" strike="noStrike">
               <a:latin typeface="Arial"/>
             </a:endParaRPr>
           </a:p>
@@ -1397,19 +1206,7 @@
             <a:normAutofit/>
           </a:bodyPr>
           <a:p>
-            <a:pPr>
-              <a:lnSpc>
-                <a:spcPct val="90000"/>
-              </a:lnSpc>
-              <a:spcBef>
-                <a:spcPts val="1417"/>
-              </a:spcBef>
-              <a:buNone/>
-            </a:pPr>
-            <a:endParaRPr b="0" lang="es-MX" sz="2800" spc="-1" strike="noStrike">
-              <a:solidFill>
-                <a:srgbClr val="000000"/>
-              </a:solidFill>
+            <a:endParaRPr b="0" lang="en-US" sz="3200" spc="-1" strike="noStrike">
               <a:latin typeface="Arial"/>
             </a:endParaRPr>
           </a:p>
@@ -1443,19 +1240,7 @@
             <a:normAutofit/>
           </a:bodyPr>
           <a:p>
-            <a:pPr>
-              <a:lnSpc>
-                <a:spcPct val="90000"/>
-              </a:lnSpc>
-              <a:spcBef>
-                <a:spcPts val="1417"/>
-              </a:spcBef>
-              <a:buNone/>
-            </a:pPr>
-            <a:endParaRPr b="0" lang="es-MX" sz="2800" spc="-1" strike="noStrike">
-              <a:solidFill>
-                <a:srgbClr val="000000"/>
-              </a:solidFill>
+            <a:endParaRPr b="0" lang="en-US" sz="3200" spc="-1" strike="noStrike">
               <a:latin typeface="Arial"/>
             </a:endParaRPr>
           </a:p>
@@ -1511,10 +1296,10 @@
             <a:noAutofit/>
           </a:bodyPr>
           <a:p>
-            <a:endParaRPr b="0" lang="es-MX" sz="1800" spc="-1" strike="noStrike">
-              <a:solidFill>
-                <a:srgbClr val="000000"/>
-              </a:solidFill>
+            <a:pPr algn="ctr">
+              <a:buNone/>
+            </a:pPr>
+            <a:endParaRPr b="0" lang="en-US" sz="4400" spc="-1" strike="noStrike">
               <a:latin typeface="Arial"/>
             </a:endParaRPr>
           </a:p>
@@ -1607,10 +1392,10 @@
             <a:noAutofit/>
           </a:bodyPr>
           <a:p>
-            <a:endParaRPr b="0" lang="es-MX" sz="1800" spc="-1" strike="noStrike">
-              <a:solidFill>
-                <a:srgbClr val="000000"/>
-              </a:solidFill>
+            <a:pPr algn="ctr">
+              <a:buNone/>
+            </a:pPr>
+            <a:endParaRPr b="0" lang="en-US" sz="4400" spc="-1" strike="noStrike">
               <a:latin typeface="Arial"/>
             </a:endParaRPr>
           </a:p>
@@ -1644,19 +1429,7 @@
             <a:normAutofit/>
           </a:bodyPr>
           <a:p>
-            <a:pPr>
-              <a:lnSpc>
-                <a:spcPct val="90000"/>
-              </a:lnSpc>
-              <a:spcBef>
-                <a:spcPts val="1417"/>
-              </a:spcBef>
-              <a:buNone/>
-            </a:pPr>
-            <a:endParaRPr b="0" lang="es-MX" sz="2800" spc="-1" strike="noStrike">
-              <a:solidFill>
-                <a:srgbClr val="000000"/>
-              </a:solidFill>
+            <a:endParaRPr b="0" lang="en-US" sz="3200" spc="-1" strike="noStrike">
               <a:latin typeface="Arial"/>
             </a:endParaRPr>
           </a:p>
@@ -1690,19 +1463,7 @@
             <a:normAutofit/>
           </a:bodyPr>
           <a:p>
-            <a:pPr>
-              <a:lnSpc>
-                <a:spcPct val="90000"/>
-              </a:lnSpc>
-              <a:spcBef>
-                <a:spcPts val="1417"/>
-              </a:spcBef>
-              <a:buNone/>
-            </a:pPr>
-            <a:endParaRPr b="0" lang="es-MX" sz="2800" spc="-1" strike="noStrike">
-              <a:solidFill>
-                <a:srgbClr val="000000"/>
-              </a:solidFill>
+            <a:endParaRPr b="0" lang="en-US" sz="3200" spc="-1" strike="noStrike">
               <a:latin typeface="Arial"/>
             </a:endParaRPr>
           </a:p>
@@ -1736,19 +1497,7 @@
             <a:normAutofit/>
           </a:bodyPr>
           <a:p>
-            <a:pPr>
-              <a:lnSpc>
-                <a:spcPct val="90000"/>
-              </a:lnSpc>
-              <a:spcBef>
-                <a:spcPts val="1417"/>
-              </a:spcBef>
-              <a:buNone/>
-            </a:pPr>
-            <a:endParaRPr b="0" lang="es-MX" sz="2800" spc="-1" strike="noStrike">
-              <a:solidFill>
-                <a:srgbClr val="000000"/>
-              </a:solidFill>
+            <a:endParaRPr b="0" lang="en-US" sz="3200" spc="-1" strike="noStrike">
               <a:latin typeface="Arial"/>
             </a:endParaRPr>
           </a:p>
@@ -1804,10 +1553,10 @@
             <a:noAutofit/>
           </a:bodyPr>
           <a:p>
-            <a:endParaRPr b="0" lang="es-MX" sz="1800" spc="-1" strike="noStrike">
-              <a:solidFill>
-                <a:srgbClr val="000000"/>
-              </a:solidFill>
+            <a:pPr algn="ctr">
+              <a:buNone/>
+            </a:pPr>
+            <a:endParaRPr b="0" lang="en-US" sz="4400" spc="-1" strike="noStrike">
               <a:latin typeface="Arial"/>
             </a:endParaRPr>
           </a:p>
@@ -1841,19 +1590,7 @@
             <a:normAutofit/>
           </a:bodyPr>
           <a:p>
-            <a:pPr>
-              <a:lnSpc>
-                <a:spcPct val="90000"/>
-              </a:lnSpc>
-              <a:spcBef>
-                <a:spcPts val="1417"/>
-              </a:spcBef>
-              <a:buNone/>
-            </a:pPr>
-            <a:endParaRPr b="0" lang="es-MX" sz="2800" spc="-1" strike="noStrike">
-              <a:solidFill>
-                <a:srgbClr val="000000"/>
-              </a:solidFill>
+            <a:endParaRPr b="0" lang="en-US" sz="3200" spc="-1" strike="noStrike">
               <a:latin typeface="Arial"/>
             </a:endParaRPr>
           </a:p>
@@ -1887,19 +1624,7 @@
             <a:normAutofit/>
           </a:bodyPr>
           <a:p>
-            <a:pPr>
-              <a:lnSpc>
-                <a:spcPct val="90000"/>
-              </a:lnSpc>
-              <a:spcBef>
-                <a:spcPts val="1417"/>
-              </a:spcBef>
-              <a:buNone/>
-            </a:pPr>
-            <a:endParaRPr b="0" lang="es-MX" sz="2800" spc="-1" strike="noStrike">
-              <a:solidFill>
-                <a:srgbClr val="000000"/>
-              </a:solidFill>
+            <a:endParaRPr b="0" lang="en-US" sz="3200" spc="-1" strike="noStrike">
               <a:latin typeface="Arial"/>
             </a:endParaRPr>
           </a:p>
@@ -1933,19 +1658,7 @@
             <a:normAutofit/>
           </a:bodyPr>
           <a:p>
-            <a:pPr>
-              <a:lnSpc>
-                <a:spcPct val="90000"/>
-              </a:lnSpc>
-              <a:spcBef>
-                <a:spcPts val="1417"/>
-              </a:spcBef>
-              <a:buNone/>
-            </a:pPr>
-            <a:endParaRPr b="0" lang="es-MX" sz="2800" spc="-1" strike="noStrike">
-              <a:solidFill>
-                <a:srgbClr val="000000"/>
-              </a:solidFill>
+            <a:endParaRPr b="0" lang="en-US" sz="3200" spc="-1" strike="noStrike">
               <a:latin typeface="Arial"/>
             </a:endParaRPr>
           </a:p>
@@ -2001,10 +1714,10 @@
             <a:noAutofit/>
           </a:bodyPr>
           <a:p>
-            <a:endParaRPr b="0" lang="es-MX" sz="1800" spc="-1" strike="noStrike">
-              <a:solidFill>
-                <a:srgbClr val="000000"/>
-              </a:solidFill>
+            <a:pPr algn="ctr">
+              <a:buNone/>
+            </a:pPr>
+            <a:endParaRPr b="0" lang="en-US" sz="4400" spc="-1" strike="noStrike">
               <a:latin typeface="Arial"/>
             </a:endParaRPr>
           </a:p>
@@ -2038,19 +1751,7 @@
             <a:normAutofit/>
           </a:bodyPr>
           <a:p>
-            <a:pPr>
-              <a:lnSpc>
-                <a:spcPct val="90000"/>
-              </a:lnSpc>
-              <a:spcBef>
-                <a:spcPts val="1417"/>
-              </a:spcBef>
-              <a:buNone/>
-            </a:pPr>
-            <a:endParaRPr b="0" lang="es-MX" sz="2800" spc="-1" strike="noStrike">
-              <a:solidFill>
-                <a:srgbClr val="000000"/>
-              </a:solidFill>
+            <a:endParaRPr b="0" lang="en-US" sz="3200" spc="-1" strike="noStrike">
               <a:latin typeface="Arial"/>
             </a:endParaRPr>
           </a:p>
@@ -2084,19 +1785,7 @@
             <a:normAutofit/>
           </a:bodyPr>
           <a:p>
-            <a:pPr>
-              <a:lnSpc>
-                <a:spcPct val="90000"/>
-              </a:lnSpc>
-              <a:spcBef>
-                <a:spcPts val="1417"/>
-              </a:spcBef>
-              <a:buNone/>
-            </a:pPr>
-            <a:endParaRPr b="0" lang="es-MX" sz="2800" spc="-1" strike="noStrike">
-              <a:solidFill>
-                <a:srgbClr val="000000"/>
-              </a:solidFill>
+            <a:endParaRPr b="0" lang="en-US" sz="3200" spc="-1" strike="noStrike">
               <a:latin typeface="Arial"/>
             </a:endParaRPr>
           </a:p>
@@ -2152,10 +1841,10 @@
             <a:noAutofit/>
           </a:bodyPr>
           <a:p>
-            <a:endParaRPr b="0" lang="es-MX" sz="1800" spc="-1" strike="noStrike">
-              <a:solidFill>
-                <a:srgbClr val="000000"/>
-              </a:solidFill>
+            <a:pPr algn="ctr">
+              <a:buNone/>
+            </a:pPr>
+            <a:endParaRPr b="0" lang="en-US" sz="4400" spc="-1" strike="noStrike">
               <a:latin typeface="Arial"/>
             </a:endParaRPr>
           </a:p>
@@ -2189,19 +1878,7 @@
             <a:normAutofit/>
           </a:bodyPr>
           <a:p>
-            <a:pPr>
-              <a:lnSpc>
-                <a:spcPct val="90000"/>
-              </a:lnSpc>
-              <a:spcBef>
-                <a:spcPts val="1417"/>
-              </a:spcBef>
-              <a:buNone/>
-            </a:pPr>
-            <a:endParaRPr b="0" lang="es-MX" sz="2800" spc="-1" strike="noStrike">
-              <a:solidFill>
-                <a:srgbClr val="000000"/>
-              </a:solidFill>
+            <a:endParaRPr b="0" lang="en-US" sz="3200" spc="-1" strike="noStrike">
               <a:latin typeface="Arial"/>
             </a:endParaRPr>
           </a:p>
@@ -2235,19 +1912,7 @@
             <a:normAutofit/>
           </a:bodyPr>
           <a:p>
-            <a:pPr>
-              <a:lnSpc>
-                <a:spcPct val="90000"/>
-              </a:lnSpc>
-              <a:spcBef>
-                <a:spcPts val="1417"/>
-              </a:spcBef>
-              <a:buNone/>
-            </a:pPr>
-            <a:endParaRPr b="0" lang="es-MX" sz="2800" spc="-1" strike="noStrike">
-              <a:solidFill>
-                <a:srgbClr val="000000"/>
-              </a:solidFill>
+            <a:endParaRPr b="0" lang="en-US" sz="3200" spc="-1" strike="noStrike">
               <a:latin typeface="Arial"/>
             </a:endParaRPr>
           </a:p>
@@ -2281,19 +1946,7 @@
             <a:normAutofit/>
           </a:bodyPr>
           <a:p>
-            <a:pPr>
-              <a:lnSpc>
-                <a:spcPct val="90000"/>
-              </a:lnSpc>
-              <a:spcBef>
-                <a:spcPts val="1417"/>
-              </a:spcBef>
-              <a:buNone/>
-            </a:pPr>
-            <a:endParaRPr b="0" lang="es-MX" sz="2800" spc="-1" strike="noStrike">
-              <a:solidFill>
-                <a:srgbClr val="000000"/>
-              </a:solidFill>
+            <a:endParaRPr b="0" lang="en-US" sz="3200" spc="-1" strike="noStrike">
               <a:latin typeface="Arial"/>
             </a:endParaRPr>
           </a:p>
@@ -2327,19 +1980,7 @@
             <a:normAutofit/>
           </a:bodyPr>
           <a:p>
-            <a:pPr>
-              <a:lnSpc>
-                <a:spcPct val="90000"/>
-              </a:lnSpc>
-              <a:spcBef>
-                <a:spcPts val="1417"/>
-              </a:spcBef>
-              <a:buNone/>
-            </a:pPr>
-            <a:endParaRPr b="0" lang="es-MX" sz="2800" spc="-1" strike="noStrike">
-              <a:solidFill>
-                <a:srgbClr val="000000"/>
-              </a:solidFill>
+            <a:endParaRPr b="0" lang="en-US" sz="3200" spc="-1" strike="noStrike">
               <a:latin typeface="Arial"/>
             </a:endParaRPr>
           </a:p>
@@ -2395,10 +2036,10 @@
             <a:noAutofit/>
           </a:bodyPr>
           <a:p>
-            <a:endParaRPr b="0" lang="es-MX" sz="1800" spc="-1" strike="noStrike">
-              <a:solidFill>
-                <a:srgbClr val="000000"/>
-              </a:solidFill>
+            <a:pPr algn="ctr">
+              <a:buNone/>
+            </a:pPr>
+            <a:endParaRPr b="0" lang="en-US" sz="4400" spc="-1" strike="noStrike">
               <a:latin typeface="Arial"/>
             </a:endParaRPr>
           </a:p>
@@ -2432,19 +2073,7 @@
             <a:normAutofit/>
           </a:bodyPr>
           <a:p>
-            <a:pPr>
-              <a:lnSpc>
-                <a:spcPct val="90000"/>
-              </a:lnSpc>
-              <a:spcBef>
-                <a:spcPts val="1417"/>
-              </a:spcBef>
-              <a:buNone/>
-            </a:pPr>
-            <a:endParaRPr b="0" lang="es-MX" sz="2800" spc="-1" strike="noStrike">
-              <a:solidFill>
-                <a:srgbClr val="000000"/>
-              </a:solidFill>
+            <a:endParaRPr b="0" lang="en-US" sz="3200" spc="-1" strike="noStrike">
               <a:latin typeface="Arial"/>
             </a:endParaRPr>
           </a:p>
@@ -2478,19 +2107,7 @@
             <a:normAutofit/>
           </a:bodyPr>
           <a:p>
-            <a:pPr>
-              <a:lnSpc>
-                <a:spcPct val="90000"/>
-              </a:lnSpc>
-              <a:spcBef>
-                <a:spcPts val="1417"/>
-              </a:spcBef>
-              <a:buNone/>
-            </a:pPr>
-            <a:endParaRPr b="0" lang="es-MX" sz="2800" spc="-1" strike="noStrike">
-              <a:solidFill>
-                <a:srgbClr val="000000"/>
-              </a:solidFill>
+            <a:endParaRPr b="0" lang="en-US" sz="3200" spc="-1" strike="noStrike">
               <a:latin typeface="Arial"/>
             </a:endParaRPr>
           </a:p>
@@ -2524,19 +2141,7 @@
             <a:normAutofit/>
           </a:bodyPr>
           <a:p>
-            <a:pPr>
-              <a:lnSpc>
-                <a:spcPct val="90000"/>
-              </a:lnSpc>
-              <a:spcBef>
-                <a:spcPts val="1417"/>
-              </a:spcBef>
-              <a:buNone/>
-            </a:pPr>
-            <a:endParaRPr b="0" lang="es-MX" sz="2800" spc="-1" strike="noStrike">
-              <a:solidFill>
-                <a:srgbClr val="000000"/>
-              </a:solidFill>
+            <a:endParaRPr b="0" lang="en-US" sz="3200" spc="-1" strike="noStrike">
               <a:latin typeface="Arial"/>
             </a:endParaRPr>
           </a:p>
@@ -2570,19 +2175,7 @@
             <a:normAutofit/>
           </a:bodyPr>
           <a:p>
-            <a:pPr>
-              <a:lnSpc>
-                <a:spcPct val="90000"/>
-              </a:lnSpc>
-              <a:spcBef>
-                <a:spcPts val="1417"/>
-              </a:spcBef>
-              <a:buNone/>
-            </a:pPr>
-            <a:endParaRPr b="0" lang="es-MX" sz="2800" spc="-1" strike="noStrike">
-              <a:solidFill>
-                <a:srgbClr val="000000"/>
-              </a:solidFill>
+            <a:endParaRPr b="0" lang="en-US" sz="3200" spc="-1" strike="noStrike">
               <a:latin typeface="Arial"/>
             </a:endParaRPr>
           </a:p>
@@ -2616,19 +2209,7 @@
             <a:normAutofit/>
           </a:bodyPr>
           <a:p>
-            <a:pPr>
-              <a:lnSpc>
-                <a:spcPct val="90000"/>
-              </a:lnSpc>
-              <a:spcBef>
-                <a:spcPts val="1417"/>
-              </a:spcBef>
-              <a:buNone/>
-            </a:pPr>
-            <a:endParaRPr b="0" lang="es-MX" sz="2800" spc="-1" strike="noStrike">
-              <a:solidFill>
-                <a:srgbClr val="000000"/>
-              </a:solidFill>
+            <a:endParaRPr b="0" lang="en-US" sz="3200" spc="-1" strike="noStrike">
               <a:latin typeface="Arial"/>
             </a:endParaRPr>
           </a:p>
@@ -2662,19 +2243,7 @@
             <a:normAutofit/>
           </a:bodyPr>
           <a:p>
-            <a:pPr>
-              <a:lnSpc>
-                <a:spcPct val="90000"/>
-              </a:lnSpc>
-              <a:spcBef>
-                <a:spcPts val="1417"/>
-              </a:spcBef>
-              <a:buNone/>
-            </a:pPr>
-            <a:endParaRPr b="0" lang="es-MX" sz="2800" spc="-1" strike="noStrike">
-              <a:solidFill>
-                <a:srgbClr val="000000"/>
-              </a:solidFill>
+            <a:endParaRPr b="0" lang="en-US" sz="3200" spc="-1" strike="noStrike">
               <a:latin typeface="Arial"/>
             </a:endParaRPr>
           </a:p>
@@ -2752,10 +2321,10 @@
             <a:noAutofit/>
           </a:bodyPr>
           <a:p>
-            <a:endParaRPr b="0" lang="es-MX" sz="1800" spc="-1" strike="noStrike">
-              <a:solidFill>
-                <a:srgbClr val="000000"/>
-              </a:solidFill>
+            <a:pPr algn="ctr">
+              <a:buNone/>
+            </a:pPr>
+            <a:endParaRPr b="0" lang="en-US" sz="4400" spc="-1" strike="noStrike">
               <a:latin typeface="Arial"/>
             </a:endParaRPr>
           </a:p>
@@ -2848,10 +2417,10 @@
             <a:noAutofit/>
           </a:bodyPr>
           <a:p>
-            <a:endParaRPr b="0" lang="es-MX" sz="1800" spc="-1" strike="noStrike">
-              <a:solidFill>
-                <a:srgbClr val="000000"/>
-              </a:solidFill>
+            <a:pPr algn="ctr">
+              <a:buNone/>
+            </a:pPr>
+            <a:endParaRPr b="0" lang="en-US" sz="4400" spc="-1" strike="noStrike">
               <a:latin typeface="Arial"/>
             </a:endParaRPr>
           </a:p>
@@ -2885,19 +2454,7 @@
             <a:normAutofit/>
           </a:bodyPr>
           <a:p>
-            <a:pPr>
-              <a:lnSpc>
-                <a:spcPct val="90000"/>
-              </a:lnSpc>
-              <a:spcBef>
-                <a:spcPts val="1417"/>
-              </a:spcBef>
-              <a:buNone/>
-            </a:pPr>
-            <a:endParaRPr b="0" lang="es-MX" sz="2800" spc="-1" strike="noStrike">
-              <a:solidFill>
-                <a:srgbClr val="000000"/>
-              </a:solidFill>
+            <a:endParaRPr b="0" lang="en-US" sz="3200" spc="-1" strike="noStrike">
               <a:latin typeface="Arial"/>
             </a:endParaRPr>
           </a:p>
@@ -2953,10 +2510,10 @@
             <a:noAutofit/>
           </a:bodyPr>
           <a:p>
-            <a:endParaRPr b="0" lang="es-MX" sz="1800" spc="-1" strike="noStrike">
-              <a:solidFill>
-                <a:srgbClr val="000000"/>
-              </a:solidFill>
+            <a:pPr algn="ctr">
+              <a:buNone/>
+            </a:pPr>
+            <a:endParaRPr b="0" lang="en-US" sz="4400" spc="-1" strike="noStrike">
               <a:latin typeface="Arial"/>
             </a:endParaRPr>
           </a:p>
@@ -2990,19 +2547,7 @@
             <a:normAutofit/>
           </a:bodyPr>
           <a:p>
-            <a:pPr>
-              <a:lnSpc>
-                <a:spcPct val="90000"/>
-              </a:lnSpc>
-              <a:spcBef>
-                <a:spcPts val="1417"/>
-              </a:spcBef>
-              <a:buNone/>
-            </a:pPr>
-            <a:endParaRPr b="0" lang="es-MX" sz="2800" spc="-1" strike="noStrike">
-              <a:solidFill>
-                <a:srgbClr val="000000"/>
-              </a:solidFill>
+            <a:endParaRPr b="0" lang="en-US" sz="3200" spc="-1" strike="noStrike">
               <a:latin typeface="Arial"/>
             </a:endParaRPr>
           </a:p>
@@ -3036,19 +2581,7 @@
             <a:normAutofit/>
           </a:bodyPr>
           <a:p>
-            <a:pPr>
-              <a:lnSpc>
-                <a:spcPct val="90000"/>
-              </a:lnSpc>
-              <a:spcBef>
-                <a:spcPts val="1417"/>
-              </a:spcBef>
-              <a:buNone/>
-            </a:pPr>
-            <a:endParaRPr b="0" lang="es-MX" sz="2800" spc="-1" strike="noStrike">
-              <a:solidFill>
-                <a:srgbClr val="000000"/>
-              </a:solidFill>
+            <a:endParaRPr b="0" lang="en-US" sz="3200" spc="-1" strike="noStrike">
               <a:latin typeface="Arial"/>
             </a:endParaRPr>
           </a:p>
@@ -3104,10 +2637,10 @@
             <a:noAutofit/>
           </a:bodyPr>
           <a:p>
-            <a:endParaRPr b="0" lang="es-MX" sz="1800" spc="-1" strike="noStrike">
-              <a:solidFill>
-                <a:srgbClr val="000000"/>
-              </a:solidFill>
+            <a:pPr algn="ctr">
+              <a:buNone/>
+            </a:pPr>
+            <a:endParaRPr b="0" lang="en-US" sz="4400" spc="-1" strike="noStrike">
               <a:latin typeface="Arial"/>
             </a:endParaRPr>
           </a:p>
@@ -3163,10 +2696,10 @@
             <a:noAutofit/>
           </a:bodyPr>
           <a:p>
-            <a:endParaRPr b="0" lang="es-MX" sz="1800" spc="-1" strike="noStrike">
-              <a:solidFill>
-                <a:srgbClr val="000000"/>
-              </a:solidFill>
+            <a:pPr algn="ctr">
+              <a:buNone/>
+            </a:pPr>
+            <a:endParaRPr b="0" lang="en-US" sz="4400" spc="-1" strike="noStrike">
               <a:latin typeface="Arial"/>
             </a:endParaRPr>
           </a:p>
@@ -3200,19 +2733,7 @@
             <a:normAutofit/>
           </a:bodyPr>
           <a:p>
-            <a:pPr>
-              <a:lnSpc>
-                <a:spcPct val="90000"/>
-              </a:lnSpc>
-              <a:spcBef>
-                <a:spcPts val="1417"/>
-              </a:spcBef>
-              <a:buNone/>
-            </a:pPr>
-            <a:endParaRPr b="0" lang="es-MX" sz="2800" spc="-1" strike="noStrike">
-              <a:solidFill>
-                <a:srgbClr val="000000"/>
-              </a:solidFill>
+            <a:endParaRPr b="0" lang="en-US" sz="3200" spc="-1" strike="noStrike">
               <a:latin typeface="Arial"/>
             </a:endParaRPr>
           </a:p>
@@ -3327,10 +2848,10 @@
             <a:noAutofit/>
           </a:bodyPr>
           <a:p>
-            <a:endParaRPr b="0" lang="es-MX" sz="1800" spc="-1" strike="noStrike">
-              <a:solidFill>
-                <a:srgbClr val="000000"/>
-              </a:solidFill>
+            <a:pPr algn="ctr">
+              <a:buNone/>
+            </a:pPr>
+            <a:endParaRPr b="0" lang="en-US" sz="4400" spc="-1" strike="noStrike">
               <a:latin typeface="Arial"/>
             </a:endParaRPr>
           </a:p>
@@ -3364,19 +2885,7 @@
             <a:normAutofit/>
           </a:bodyPr>
           <a:p>
-            <a:pPr>
-              <a:lnSpc>
-                <a:spcPct val="90000"/>
-              </a:lnSpc>
-              <a:spcBef>
-                <a:spcPts val="1417"/>
-              </a:spcBef>
-              <a:buNone/>
-            </a:pPr>
-            <a:endParaRPr b="0" lang="es-MX" sz="2800" spc="-1" strike="noStrike">
-              <a:solidFill>
-                <a:srgbClr val="000000"/>
-              </a:solidFill>
+            <a:endParaRPr b="0" lang="en-US" sz="3200" spc="-1" strike="noStrike">
               <a:latin typeface="Arial"/>
             </a:endParaRPr>
           </a:p>
@@ -3410,19 +2919,7 @@
             <a:normAutofit/>
           </a:bodyPr>
           <a:p>
-            <a:pPr>
-              <a:lnSpc>
-                <a:spcPct val="90000"/>
-              </a:lnSpc>
-              <a:spcBef>
-                <a:spcPts val="1417"/>
-              </a:spcBef>
-              <a:buNone/>
-            </a:pPr>
-            <a:endParaRPr b="0" lang="es-MX" sz="2800" spc="-1" strike="noStrike">
-              <a:solidFill>
-                <a:srgbClr val="000000"/>
-              </a:solidFill>
+            <a:endParaRPr b="0" lang="en-US" sz="3200" spc="-1" strike="noStrike">
               <a:latin typeface="Arial"/>
             </a:endParaRPr>
           </a:p>
@@ -3456,19 +2953,7 @@
             <a:normAutofit/>
           </a:bodyPr>
           <a:p>
-            <a:pPr>
-              <a:lnSpc>
-                <a:spcPct val="90000"/>
-              </a:lnSpc>
-              <a:spcBef>
-                <a:spcPts val="1417"/>
-              </a:spcBef>
-              <a:buNone/>
-            </a:pPr>
-            <a:endParaRPr b="0" lang="es-MX" sz="2800" spc="-1" strike="noStrike">
-              <a:solidFill>
-                <a:srgbClr val="000000"/>
-              </a:solidFill>
+            <a:endParaRPr b="0" lang="en-US" sz="3200" spc="-1" strike="noStrike">
               <a:latin typeface="Arial"/>
             </a:endParaRPr>
           </a:p>
@@ -3524,10 +3009,10 @@
             <a:noAutofit/>
           </a:bodyPr>
           <a:p>
-            <a:endParaRPr b="0" lang="es-MX" sz="1800" spc="-1" strike="noStrike">
-              <a:solidFill>
-                <a:srgbClr val="000000"/>
-              </a:solidFill>
+            <a:pPr algn="ctr">
+              <a:buNone/>
+            </a:pPr>
+            <a:endParaRPr b="0" lang="en-US" sz="4400" spc="-1" strike="noStrike">
               <a:latin typeface="Arial"/>
             </a:endParaRPr>
           </a:p>
@@ -3561,19 +3046,7 @@
             <a:normAutofit/>
           </a:bodyPr>
           <a:p>
-            <a:pPr>
-              <a:lnSpc>
-                <a:spcPct val="90000"/>
-              </a:lnSpc>
-              <a:spcBef>
-                <a:spcPts val="1417"/>
-              </a:spcBef>
-              <a:buNone/>
-            </a:pPr>
-            <a:endParaRPr b="0" lang="es-MX" sz="2800" spc="-1" strike="noStrike">
-              <a:solidFill>
-                <a:srgbClr val="000000"/>
-              </a:solidFill>
+            <a:endParaRPr b="0" lang="en-US" sz="3200" spc="-1" strike="noStrike">
               <a:latin typeface="Arial"/>
             </a:endParaRPr>
           </a:p>
@@ -3607,19 +3080,7 @@
             <a:normAutofit/>
           </a:bodyPr>
           <a:p>
-            <a:pPr>
-              <a:lnSpc>
-                <a:spcPct val="90000"/>
-              </a:lnSpc>
-              <a:spcBef>
-                <a:spcPts val="1417"/>
-              </a:spcBef>
-              <a:buNone/>
-            </a:pPr>
-            <a:endParaRPr b="0" lang="es-MX" sz="2800" spc="-1" strike="noStrike">
-              <a:solidFill>
-                <a:srgbClr val="000000"/>
-              </a:solidFill>
+            <a:endParaRPr b="0" lang="en-US" sz="3200" spc="-1" strike="noStrike">
               <a:latin typeface="Arial"/>
             </a:endParaRPr>
           </a:p>
@@ -3653,19 +3114,7 @@
             <a:normAutofit/>
           </a:bodyPr>
           <a:p>
-            <a:pPr>
-              <a:lnSpc>
-                <a:spcPct val="90000"/>
-              </a:lnSpc>
-              <a:spcBef>
-                <a:spcPts val="1417"/>
-              </a:spcBef>
-              <a:buNone/>
-            </a:pPr>
-            <a:endParaRPr b="0" lang="es-MX" sz="2800" spc="-1" strike="noStrike">
-              <a:solidFill>
-                <a:srgbClr val="000000"/>
-              </a:solidFill>
+            <a:endParaRPr b="0" lang="en-US" sz="3200" spc="-1" strike="noStrike">
               <a:latin typeface="Arial"/>
             </a:endParaRPr>
           </a:p>
@@ -3721,10 +3170,10 @@
             <a:noAutofit/>
           </a:bodyPr>
           <a:p>
-            <a:endParaRPr b="0" lang="es-MX" sz="1800" spc="-1" strike="noStrike">
-              <a:solidFill>
-                <a:srgbClr val="000000"/>
-              </a:solidFill>
+            <a:pPr algn="ctr">
+              <a:buNone/>
+            </a:pPr>
+            <a:endParaRPr b="0" lang="en-US" sz="4400" spc="-1" strike="noStrike">
               <a:latin typeface="Arial"/>
             </a:endParaRPr>
           </a:p>
@@ -3758,19 +3207,7 @@
             <a:normAutofit/>
           </a:bodyPr>
           <a:p>
-            <a:pPr>
-              <a:lnSpc>
-                <a:spcPct val="90000"/>
-              </a:lnSpc>
-              <a:spcBef>
-                <a:spcPts val="1417"/>
-              </a:spcBef>
-              <a:buNone/>
-            </a:pPr>
-            <a:endParaRPr b="0" lang="es-MX" sz="2800" spc="-1" strike="noStrike">
-              <a:solidFill>
-                <a:srgbClr val="000000"/>
-              </a:solidFill>
+            <a:endParaRPr b="0" lang="en-US" sz="3200" spc="-1" strike="noStrike">
               <a:latin typeface="Arial"/>
             </a:endParaRPr>
           </a:p>
@@ -3804,19 +3241,7 @@
             <a:normAutofit/>
           </a:bodyPr>
           <a:p>
-            <a:pPr>
-              <a:lnSpc>
-                <a:spcPct val="90000"/>
-              </a:lnSpc>
-              <a:spcBef>
-                <a:spcPts val="1417"/>
-              </a:spcBef>
-              <a:buNone/>
-            </a:pPr>
-            <a:endParaRPr b="0" lang="es-MX" sz="2800" spc="-1" strike="noStrike">
-              <a:solidFill>
-                <a:srgbClr val="000000"/>
-              </a:solidFill>
+            <a:endParaRPr b="0" lang="en-US" sz="3200" spc="-1" strike="noStrike">
               <a:latin typeface="Arial"/>
             </a:endParaRPr>
           </a:p>
@@ -3850,19 +3275,7 @@
             <a:normAutofit/>
           </a:bodyPr>
           <a:p>
-            <a:pPr>
-              <a:lnSpc>
-                <a:spcPct val="90000"/>
-              </a:lnSpc>
-              <a:spcBef>
-                <a:spcPts val="1417"/>
-              </a:spcBef>
-              <a:buNone/>
-            </a:pPr>
-            <a:endParaRPr b="0" lang="es-MX" sz="2800" spc="-1" strike="noStrike">
-              <a:solidFill>
-                <a:srgbClr val="000000"/>
-              </a:solidFill>
+            <a:endParaRPr b="0" lang="en-US" sz="3200" spc="-1" strike="noStrike">
               <a:latin typeface="Arial"/>
             </a:endParaRPr>
           </a:p>
@@ -3918,10 +3331,10 @@
             <a:noAutofit/>
           </a:bodyPr>
           <a:p>
-            <a:endParaRPr b="0" lang="es-MX" sz="1800" spc="-1" strike="noStrike">
-              <a:solidFill>
-                <a:srgbClr val="000000"/>
-              </a:solidFill>
+            <a:pPr algn="ctr">
+              <a:buNone/>
+            </a:pPr>
+            <a:endParaRPr b="0" lang="en-US" sz="4400" spc="-1" strike="noStrike">
               <a:latin typeface="Arial"/>
             </a:endParaRPr>
           </a:p>
@@ -3955,19 +3368,7 @@
             <a:normAutofit/>
           </a:bodyPr>
           <a:p>
-            <a:pPr>
-              <a:lnSpc>
-                <a:spcPct val="90000"/>
-              </a:lnSpc>
-              <a:spcBef>
-                <a:spcPts val="1417"/>
-              </a:spcBef>
-              <a:buNone/>
-            </a:pPr>
-            <a:endParaRPr b="0" lang="es-MX" sz="2800" spc="-1" strike="noStrike">
-              <a:solidFill>
-                <a:srgbClr val="000000"/>
-              </a:solidFill>
+            <a:endParaRPr b="0" lang="en-US" sz="3200" spc="-1" strike="noStrike">
               <a:latin typeface="Arial"/>
             </a:endParaRPr>
           </a:p>
@@ -4001,19 +3402,7 @@
             <a:normAutofit/>
           </a:bodyPr>
           <a:p>
-            <a:pPr>
-              <a:lnSpc>
-                <a:spcPct val="90000"/>
-              </a:lnSpc>
-              <a:spcBef>
-                <a:spcPts val="1417"/>
-              </a:spcBef>
-              <a:buNone/>
-            </a:pPr>
-            <a:endParaRPr b="0" lang="es-MX" sz="2800" spc="-1" strike="noStrike">
-              <a:solidFill>
-                <a:srgbClr val="000000"/>
-              </a:solidFill>
+            <a:endParaRPr b="0" lang="en-US" sz="3200" spc="-1" strike="noStrike">
               <a:latin typeface="Arial"/>
             </a:endParaRPr>
           </a:p>
@@ -4069,10 +3458,10 @@
             <a:noAutofit/>
           </a:bodyPr>
           <a:p>
-            <a:endParaRPr b="0" lang="es-MX" sz="1800" spc="-1" strike="noStrike">
-              <a:solidFill>
-                <a:srgbClr val="000000"/>
-              </a:solidFill>
+            <a:pPr algn="ctr">
+              <a:buNone/>
+            </a:pPr>
+            <a:endParaRPr b="0" lang="en-US" sz="4400" spc="-1" strike="noStrike">
               <a:latin typeface="Arial"/>
             </a:endParaRPr>
           </a:p>
@@ -4106,19 +3495,7 @@
             <a:normAutofit/>
           </a:bodyPr>
           <a:p>
-            <a:pPr>
-              <a:lnSpc>
-                <a:spcPct val="90000"/>
-              </a:lnSpc>
-              <a:spcBef>
-                <a:spcPts val="1417"/>
-              </a:spcBef>
-              <a:buNone/>
-            </a:pPr>
-            <a:endParaRPr b="0" lang="es-MX" sz="2800" spc="-1" strike="noStrike">
-              <a:solidFill>
-                <a:srgbClr val="000000"/>
-              </a:solidFill>
+            <a:endParaRPr b="0" lang="en-US" sz="3200" spc="-1" strike="noStrike">
               <a:latin typeface="Arial"/>
             </a:endParaRPr>
           </a:p>
@@ -4152,19 +3529,7 @@
             <a:normAutofit/>
           </a:bodyPr>
           <a:p>
-            <a:pPr>
-              <a:lnSpc>
-                <a:spcPct val="90000"/>
-              </a:lnSpc>
-              <a:spcBef>
-                <a:spcPts val="1417"/>
-              </a:spcBef>
-              <a:buNone/>
-            </a:pPr>
-            <a:endParaRPr b="0" lang="es-MX" sz="2800" spc="-1" strike="noStrike">
-              <a:solidFill>
-                <a:srgbClr val="000000"/>
-              </a:solidFill>
+            <a:endParaRPr b="0" lang="en-US" sz="3200" spc="-1" strike="noStrike">
               <a:latin typeface="Arial"/>
             </a:endParaRPr>
           </a:p>
@@ -4198,19 +3563,7 @@
             <a:normAutofit/>
           </a:bodyPr>
           <a:p>
-            <a:pPr>
-              <a:lnSpc>
-                <a:spcPct val="90000"/>
-              </a:lnSpc>
-              <a:spcBef>
-                <a:spcPts val="1417"/>
-              </a:spcBef>
-              <a:buNone/>
-            </a:pPr>
-            <a:endParaRPr b="0" lang="es-MX" sz="2800" spc="-1" strike="noStrike">
-              <a:solidFill>
-                <a:srgbClr val="000000"/>
-              </a:solidFill>
+            <a:endParaRPr b="0" lang="en-US" sz="3200" spc="-1" strike="noStrike">
               <a:latin typeface="Arial"/>
             </a:endParaRPr>
           </a:p>
@@ -4244,19 +3597,7 @@
             <a:normAutofit/>
           </a:bodyPr>
           <a:p>
-            <a:pPr>
-              <a:lnSpc>
-                <a:spcPct val="90000"/>
-              </a:lnSpc>
-              <a:spcBef>
-                <a:spcPts val="1417"/>
-              </a:spcBef>
-              <a:buNone/>
-            </a:pPr>
-            <a:endParaRPr b="0" lang="es-MX" sz="2800" spc="-1" strike="noStrike">
-              <a:solidFill>
-                <a:srgbClr val="000000"/>
-              </a:solidFill>
+            <a:endParaRPr b="0" lang="en-US" sz="3200" spc="-1" strike="noStrike">
               <a:latin typeface="Arial"/>
             </a:endParaRPr>
           </a:p>
@@ -4312,10 +3653,10 @@
             <a:noAutofit/>
           </a:bodyPr>
           <a:p>
-            <a:endParaRPr b="0" lang="es-MX" sz="1800" spc="-1" strike="noStrike">
-              <a:solidFill>
-                <a:srgbClr val="000000"/>
-              </a:solidFill>
+            <a:pPr algn="ctr">
+              <a:buNone/>
+            </a:pPr>
+            <a:endParaRPr b="0" lang="en-US" sz="4400" spc="-1" strike="noStrike">
               <a:latin typeface="Arial"/>
             </a:endParaRPr>
           </a:p>
@@ -4349,19 +3690,7 @@
             <a:normAutofit/>
           </a:bodyPr>
           <a:p>
-            <a:pPr>
-              <a:lnSpc>
-                <a:spcPct val="90000"/>
-              </a:lnSpc>
-              <a:spcBef>
-                <a:spcPts val="1417"/>
-              </a:spcBef>
-              <a:buNone/>
-            </a:pPr>
-            <a:endParaRPr b="0" lang="es-MX" sz="2800" spc="-1" strike="noStrike">
-              <a:solidFill>
-                <a:srgbClr val="000000"/>
-              </a:solidFill>
+            <a:endParaRPr b="0" lang="en-US" sz="3200" spc="-1" strike="noStrike">
               <a:latin typeface="Arial"/>
             </a:endParaRPr>
           </a:p>
@@ -4395,19 +3724,7 @@
             <a:normAutofit/>
           </a:bodyPr>
           <a:p>
-            <a:pPr>
-              <a:lnSpc>
-                <a:spcPct val="90000"/>
-              </a:lnSpc>
-              <a:spcBef>
-                <a:spcPts val="1417"/>
-              </a:spcBef>
-              <a:buNone/>
-            </a:pPr>
-            <a:endParaRPr b="0" lang="es-MX" sz="2800" spc="-1" strike="noStrike">
-              <a:solidFill>
-                <a:srgbClr val="000000"/>
-              </a:solidFill>
+            <a:endParaRPr b="0" lang="en-US" sz="3200" spc="-1" strike="noStrike">
               <a:latin typeface="Arial"/>
             </a:endParaRPr>
           </a:p>
@@ -4441,19 +3758,7 @@
             <a:normAutofit/>
           </a:bodyPr>
           <a:p>
-            <a:pPr>
-              <a:lnSpc>
-                <a:spcPct val="90000"/>
-              </a:lnSpc>
-              <a:spcBef>
-                <a:spcPts val="1417"/>
-              </a:spcBef>
-              <a:buNone/>
-            </a:pPr>
-            <a:endParaRPr b="0" lang="es-MX" sz="2800" spc="-1" strike="noStrike">
-              <a:solidFill>
-                <a:srgbClr val="000000"/>
-              </a:solidFill>
+            <a:endParaRPr b="0" lang="en-US" sz="3200" spc="-1" strike="noStrike">
               <a:latin typeface="Arial"/>
             </a:endParaRPr>
           </a:p>
@@ -4487,19 +3792,7 @@
             <a:normAutofit/>
           </a:bodyPr>
           <a:p>
-            <a:pPr>
-              <a:lnSpc>
-                <a:spcPct val="90000"/>
-              </a:lnSpc>
-              <a:spcBef>
-                <a:spcPts val="1417"/>
-              </a:spcBef>
-              <a:buNone/>
-            </a:pPr>
-            <a:endParaRPr b="0" lang="es-MX" sz="2800" spc="-1" strike="noStrike">
-              <a:solidFill>
-                <a:srgbClr val="000000"/>
-              </a:solidFill>
+            <a:endParaRPr b="0" lang="en-US" sz="3200" spc="-1" strike="noStrike">
               <a:latin typeface="Arial"/>
             </a:endParaRPr>
           </a:p>
@@ -4533,19 +3826,7 @@
             <a:normAutofit/>
           </a:bodyPr>
           <a:p>
-            <a:pPr>
-              <a:lnSpc>
-                <a:spcPct val="90000"/>
-              </a:lnSpc>
-              <a:spcBef>
-                <a:spcPts val="1417"/>
-              </a:spcBef>
-              <a:buNone/>
-            </a:pPr>
-            <a:endParaRPr b="0" lang="es-MX" sz="2800" spc="-1" strike="noStrike">
-              <a:solidFill>
-                <a:srgbClr val="000000"/>
-              </a:solidFill>
+            <a:endParaRPr b="0" lang="en-US" sz="3200" spc="-1" strike="noStrike">
               <a:latin typeface="Arial"/>
             </a:endParaRPr>
           </a:p>
@@ -4579,19 +3860,7 @@
             <a:normAutofit/>
           </a:bodyPr>
           <a:p>
-            <a:pPr>
-              <a:lnSpc>
-                <a:spcPct val="90000"/>
-              </a:lnSpc>
-              <a:spcBef>
-                <a:spcPts val="1417"/>
-              </a:spcBef>
-              <a:buNone/>
-            </a:pPr>
-            <a:endParaRPr b="0" lang="es-MX" sz="2800" spc="-1" strike="noStrike">
-              <a:solidFill>
-                <a:srgbClr val="000000"/>
-              </a:solidFill>
+            <a:endParaRPr b="0" lang="en-US" sz="3200" spc="-1" strike="noStrike">
               <a:latin typeface="Arial"/>
             </a:endParaRPr>
           </a:p>
@@ -4647,10 +3916,10 @@
             <a:noAutofit/>
           </a:bodyPr>
           <a:p>
-            <a:endParaRPr b="0" lang="es-MX" sz="1800" spc="-1" strike="noStrike">
-              <a:solidFill>
-                <a:srgbClr val="000000"/>
-              </a:solidFill>
+            <a:pPr algn="ctr">
+              <a:buNone/>
+            </a:pPr>
+            <a:endParaRPr b="0" lang="en-US" sz="4400" spc="-1" strike="noStrike">
               <a:latin typeface="Arial"/>
             </a:endParaRPr>
           </a:p>
@@ -4684,19 +3953,7 @@
             <a:normAutofit/>
           </a:bodyPr>
           <a:p>
-            <a:pPr>
-              <a:lnSpc>
-                <a:spcPct val="90000"/>
-              </a:lnSpc>
-              <a:spcBef>
-                <a:spcPts val="1417"/>
-              </a:spcBef>
-              <a:buNone/>
-            </a:pPr>
-            <a:endParaRPr b="0" lang="es-MX" sz="2800" spc="-1" strike="noStrike">
-              <a:solidFill>
-                <a:srgbClr val="000000"/>
-              </a:solidFill>
+            <a:endParaRPr b="0" lang="en-US" sz="3200" spc="-1" strike="noStrike">
               <a:latin typeface="Arial"/>
             </a:endParaRPr>
           </a:p>
@@ -4730,19 +3987,7 @@
             <a:normAutofit/>
           </a:bodyPr>
           <a:p>
-            <a:pPr>
-              <a:lnSpc>
-                <a:spcPct val="90000"/>
-              </a:lnSpc>
-              <a:spcBef>
-                <a:spcPts val="1417"/>
-              </a:spcBef>
-              <a:buNone/>
-            </a:pPr>
-            <a:endParaRPr b="0" lang="es-MX" sz="2800" spc="-1" strike="noStrike">
-              <a:solidFill>
-                <a:srgbClr val="000000"/>
-              </a:solidFill>
+            <a:endParaRPr b="0" lang="en-US" sz="3200" spc="-1" strike="noStrike">
               <a:latin typeface="Arial"/>
             </a:endParaRPr>
           </a:p>
@@ -4798,10 +4043,10 @@
             <a:noAutofit/>
           </a:bodyPr>
           <a:p>
-            <a:endParaRPr b="0" lang="es-MX" sz="1800" spc="-1" strike="noStrike">
-              <a:solidFill>
-                <a:srgbClr val="000000"/>
-              </a:solidFill>
+            <a:pPr algn="ctr">
+              <a:buNone/>
+            </a:pPr>
+            <a:endParaRPr b="0" lang="en-US" sz="4400" spc="-1" strike="noStrike">
               <a:latin typeface="Arial"/>
             </a:endParaRPr>
           </a:p>
@@ -4916,10 +4161,10 @@
             <a:noAutofit/>
           </a:bodyPr>
           <a:p>
-            <a:endParaRPr b="0" lang="es-MX" sz="1800" spc="-1" strike="noStrike">
-              <a:solidFill>
-                <a:srgbClr val="000000"/>
-              </a:solidFill>
+            <a:pPr algn="ctr">
+              <a:buNone/>
+            </a:pPr>
+            <a:endParaRPr b="0" lang="en-US" sz="4400" spc="-1" strike="noStrike">
               <a:latin typeface="Arial"/>
             </a:endParaRPr>
           </a:p>
@@ -4953,19 +4198,7 @@
             <a:normAutofit/>
           </a:bodyPr>
           <a:p>
-            <a:pPr>
-              <a:lnSpc>
-                <a:spcPct val="90000"/>
-              </a:lnSpc>
-              <a:spcBef>
-                <a:spcPts val="1417"/>
-              </a:spcBef>
-              <a:buNone/>
-            </a:pPr>
-            <a:endParaRPr b="0" lang="es-MX" sz="2800" spc="-1" strike="noStrike">
-              <a:solidFill>
-                <a:srgbClr val="000000"/>
-              </a:solidFill>
+            <a:endParaRPr b="0" lang="en-US" sz="3200" spc="-1" strike="noStrike">
               <a:latin typeface="Arial"/>
             </a:endParaRPr>
           </a:p>
@@ -4999,19 +4232,7 @@
             <a:normAutofit/>
           </a:bodyPr>
           <a:p>
-            <a:pPr>
-              <a:lnSpc>
-                <a:spcPct val="90000"/>
-              </a:lnSpc>
-              <a:spcBef>
-                <a:spcPts val="1417"/>
-              </a:spcBef>
-              <a:buNone/>
-            </a:pPr>
-            <a:endParaRPr b="0" lang="es-MX" sz="2800" spc="-1" strike="noStrike">
-              <a:solidFill>
-                <a:srgbClr val="000000"/>
-              </a:solidFill>
+            <a:endParaRPr b="0" lang="en-US" sz="3200" spc="-1" strike="noStrike">
               <a:latin typeface="Arial"/>
             </a:endParaRPr>
           </a:p>
@@ -5045,19 +4266,7 @@
             <a:normAutofit/>
           </a:bodyPr>
           <a:p>
-            <a:pPr>
-              <a:lnSpc>
-                <a:spcPct val="90000"/>
-              </a:lnSpc>
-              <a:spcBef>
-                <a:spcPts val="1417"/>
-              </a:spcBef>
-              <a:buNone/>
-            </a:pPr>
-            <a:endParaRPr b="0" lang="es-MX" sz="2800" spc="-1" strike="noStrike">
-              <a:solidFill>
-                <a:srgbClr val="000000"/>
-              </a:solidFill>
+            <a:endParaRPr b="0" lang="en-US" sz="3200" spc="-1" strike="noStrike">
               <a:latin typeface="Arial"/>
             </a:endParaRPr>
           </a:p>
@@ -5113,10 +4322,10 @@
             <a:noAutofit/>
           </a:bodyPr>
           <a:p>
-            <a:endParaRPr b="0" lang="es-MX" sz="1800" spc="-1" strike="noStrike">
-              <a:solidFill>
-                <a:srgbClr val="000000"/>
-              </a:solidFill>
+            <a:pPr algn="ctr">
+              <a:buNone/>
+            </a:pPr>
+            <a:endParaRPr b="0" lang="en-US" sz="4400" spc="-1" strike="noStrike">
               <a:latin typeface="Arial"/>
             </a:endParaRPr>
           </a:p>
@@ -5150,19 +4359,7 @@
             <a:normAutofit/>
           </a:bodyPr>
           <a:p>
-            <a:pPr>
-              <a:lnSpc>
-                <a:spcPct val="90000"/>
-              </a:lnSpc>
-              <a:spcBef>
-                <a:spcPts val="1417"/>
-              </a:spcBef>
-              <a:buNone/>
-            </a:pPr>
-            <a:endParaRPr b="0" lang="es-MX" sz="2800" spc="-1" strike="noStrike">
-              <a:solidFill>
-                <a:srgbClr val="000000"/>
-              </a:solidFill>
+            <a:endParaRPr b="0" lang="en-US" sz="3200" spc="-1" strike="noStrike">
               <a:latin typeface="Arial"/>
             </a:endParaRPr>
           </a:p>
@@ -5196,19 +4393,7 @@
             <a:normAutofit/>
           </a:bodyPr>
           <a:p>
-            <a:pPr>
-              <a:lnSpc>
-                <a:spcPct val="90000"/>
-              </a:lnSpc>
-              <a:spcBef>
-                <a:spcPts val="1417"/>
-              </a:spcBef>
-              <a:buNone/>
-            </a:pPr>
-            <a:endParaRPr b="0" lang="es-MX" sz="2800" spc="-1" strike="noStrike">
-              <a:solidFill>
-                <a:srgbClr val="000000"/>
-              </a:solidFill>
+            <a:endParaRPr b="0" lang="en-US" sz="3200" spc="-1" strike="noStrike">
               <a:latin typeface="Arial"/>
             </a:endParaRPr>
           </a:p>
@@ -5242,19 +4427,7 @@
             <a:normAutofit/>
           </a:bodyPr>
           <a:p>
-            <a:pPr>
-              <a:lnSpc>
-                <a:spcPct val="90000"/>
-              </a:lnSpc>
-              <a:spcBef>
-                <a:spcPts val="1417"/>
-              </a:spcBef>
-              <a:buNone/>
-            </a:pPr>
-            <a:endParaRPr b="0" lang="es-MX" sz="2800" spc="-1" strike="noStrike">
-              <a:solidFill>
-                <a:srgbClr val="000000"/>
-              </a:solidFill>
+            <a:endParaRPr b="0" lang="en-US" sz="3200" spc="-1" strike="noStrike">
               <a:latin typeface="Arial"/>
             </a:endParaRPr>
           </a:p>
@@ -5310,10 +4483,10 @@
             <a:noAutofit/>
           </a:bodyPr>
           <a:p>
-            <a:endParaRPr b="0" lang="es-MX" sz="1800" spc="-1" strike="noStrike">
-              <a:solidFill>
-                <a:srgbClr val="000000"/>
-              </a:solidFill>
+            <a:pPr algn="ctr">
+              <a:buNone/>
+            </a:pPr>
+            <a:endParaRPr b="0" lang="en-US" sz="4400" spc="-1" strike="noStrike">
               <a:latin typeface="Arial"/>
             </a:endParaRPr>
           </a:p>
@@ -5347,19 +4520,7 @@
             <a:normAutofit/>
           </a:bodyPr>
           <a:p>
-            <a:pPr>
-              <a:lnSpc>
-                <a:spcPct val="90000"/>
-              </a:lnSpc>
-              <a:spcBef>
-                <a:spcPts val="1417"/>
-              </a:spcBef>
-              <a:buNone/>
-            </a:pPr>
-            <a:endParaRPr b="0" lang="es-MX" sz="2800" spc="-1" strike="noStrike">
-              <a:solidFill>
-                <a:srgbClr val="000000"/>
-              </a:solidFill>
+            <a:endParaRPr b="0" lang="en-US" sz="3200" spc="-1" strike="noStrike">
               <a:latin typeface="Arial"/>
             </a:endParaRPr>
           </a:p>
@@ -5393,19 +4554,7 @@
             <a:normAutofit/>
           </a:bodyPr>
           <a:p>
-            <a:pPr>
-              <a:lnSpc>
-                <a:spcPct val="90000"/>
-              </a:lnSpc>
-              <a:spcBef>
-                <a:spcPts val="1417"/>
-              </a:spcBef>
-              <a:buNone/>
-            </a:pPr>
-            <a:endParaRPr b="0" lang="es-MX" sz="2800" spc="-1" strike="noStrike">
-              <a:solidFill>
-                <a:srgbClr val="000000"/>
-              </a:solidFill>
+            <a:endParaRPr b="0" lang="en-US" sz="3200" spc="-1" strike="noStrike">
               <a:latin typeface="Arial"/>
             </a:endParaRPr>
           </a:p>
@@ -5439,19 +4588,7 @@
             <a:normAutofit/>
           </a:bodyPr>
           <a:p>
-            <a:pPr>
-              <a:lnSpc>
-                <a:spcPct val="90000"/>
-              </a:lnSpc>
-              <a:spcBef>
-                <a:spcPts val="1417"/>
-              </a:spcBef>
-              <a:buNone/>
-            </a:pPr>
-            <a:endParaRPr b="0" lang="es-MX" sz="2800" spc="-1" strike="noStrike">
-              <a:solidFill>
-                <a:srgbClr val="000000"/>
-              </a:solidFill>
+            <a:endParaRPr b="0" lang="en-US" sz="3200" spc="-1" strike="noStrike">
               <a:latin typeface="Arial"/>
             </a:endParaRPr>
           </a:p>
@@ -5499,7 +4636,7 @@
         <p:spPr>
           <a:xfrm>
             <a:off x="0" y="0"/>
-            <a:ext cx="12188880" cy="6736320"/>
+            <a:ext cx="12188520" cy="6735960"/>
           </a:xfrm>
           <a:prstGeom prst="rect">
             <a:avLst/>
@@ -5518,7 +4655,7 @@
         <p:spPr>
           <a:xfrm>
             <a:off x="0" y="5589720"/>
-            <a:ext cx="12188880" cy="1265040"/>
+            <a:ext cx="12188520" cy="1264680"/>
           </a:xfrm>
           <a:prstGeom prst="rect">
             <a:avLst/>
@@ -5558,7 +4695,7 @@
         <p:spPr>
           <a:xfrm>
             <a:off x="5554080" y="5646240"/>
-            <a:ext cx="5104800" cy="986400"/>
+            <a:ext cx="5104440" cy="986040"/>
           </a:xfrm>
           <a:prstGeom prst="rect">
             <a:avLst/>
@@ -5633,7 +4770,7 @@
         <p:spPr>
           <a:xfrm>
             <a:off x="1003320" y="5951160"/>
-            <a:ext cx="2493720" cy="480600"/>
+            <a:ext cx="2493360" cy="480240"/>
           </a:xfrm>
           <a:prstGeom prst="rect">
             <a:avLst/>
@@ -5671,19 +4808,16 @@
             <a:noAutofit/>
           </a:bodyPr>
           <a:p>
+            <a:pPr algn="ctr">
+              <a:buNone/>
+            </a:pPr>
             <a:r>
-              <a:rPr b="0" lang="es-MX" sz="1800" spc="-1" strike="noStrike">
-                <a:solidFill>
-                  <a:srgbClr val="000000"/>
-                </a:solidFill>
+              <a:rPr b="0" lang="en-US" sz="4400" spc="-1" strike="noStrike">
                 <a:latin typeface="Arial"/>
               </a:rPr>
               <a:t>Click to edit the title text format</a:t>
             </a:r>
-            <a:endParaRPr b="0" lang="es-MX" sz="1800" spc="-1" strike="noStrike">
-              <a:solidFill>
-                <a:srgbClr val="000000"/>
-              </a:solidFill>
+            <a:endParaRPr b="0" lang="en-US" sz="4400" spc="-1" strike="noStrike">
               <a:latin typeface="Arial"/>
             </a:endParaRPr>
           </a:p>
@@ -5718,9 +4852,6 @@
           </a:bodyPr>
           <a:p>
             <a:pPr marL="432000" indent="-324000">
-              <a:lnSpc>
-                <a:spcPct val="90000"/>
-              </a:lnSpc>
               <a:spcBef>
                 <a:spcPts val="1417"/>
               </a:spcBef>
@@ -5732,26 +4863,17 @@
               <a:buChar char=""/>
             </a:pPr>
             <a:r>
-              <a:rPr b="0" lang="es-MX" sz="2800" spc="-1" strike="noStrike">
-                <a:solidFill>
-                  <a:srgbClr val="000000"/>
-                </a:solidFill>
+              <a:rPr b="0" lang="en-US" sz="3200" spc="-1" strike="noStrike">
                 <a:latin typeface="Arial"/>
               </a:rPr>
               <a:t>Click to edit the outline text format</a:t>
             </a:r>
-            <a:endParaRPr b="0" lang="es-MX" sz="2800" spc="-1" strike="noStrike">
-              <a:solidFill>
-                <a:srgbClr val="000000"/>
-              </a:solidFill>
+            <a:endParaRPr b="0" lang="en-US" sz="3200" spc="-1" strike="noStrike">
               <a:latin typeface="Arial"/>
             </a:endParaRPr>
           </a:p>
           <a:p>
             <a:pPr lvl="1" marL="864000" indent="-324000">
-              <a:lnSpc>
-                <a:spcPct val="90000"/>
-              </a:lnSpc>
               <a:spcBef>
                 <a:spcPts val="1134"/>
               </a:spcBef>
@@ -5763,26 +4885,17 @@
               <a:buChar char=""/>
             </a:pPr>
             <a:r>
-              <a:rPr b="0" lang="es-MX" sz="2000" spc="-1" strike="noStrike">
-                <a:solidFill>
-                  <a:srgbClr val="000000"/>
-                </a:solidFill>
+              <a:rPr b="0" lang="en-US" sz="2800" spc="-1" strike="noStrike">
                 <a:latin typeface="Arial"/>
               </a:rPr>
               <a:t>Second Outline Level</a:t>
             </a:r>
-            <a:endParaRPr b="0" lang="es-MX" sz="2000" spc="-1" strike="noStrike">
-              <a:solidFill>
-                <a:srgbClr val="000000"/>
-              </a:solidFill>
+            <a:endParaRPr b="0" lang="en-US" sz="2800" spc="-1" strike="noStrike">
               <a:latin typeface="Arial"/>
             </a:endParaRPr>
           </a:p>
           <a:p>
             <a:pPr lvl="2" marL="1296000" indent="-288000">
-              <a:lnSpc>
-                <a:spcPct val="90000"/>
-              </a:lnSpc>
               <a:spcBef>
                 <a:spcPts val="850"/>
               </a:spcBef>
@@ -5794,26 +4907,17 @@
               <a:buChar char=""/>
             </a:pPr>
             <a:r>
-              <a:rPr b="0" lang="es-MX" sz="1800" spc="-1" strike="noStrike">
-                <a:solidFill>
-                  <a:srgbClr val="000000"/>
-                </a:solidFill>
+              <a:rPr b="0" lang="en-US" sz="2400" spc="-1" strike="noStrike">
                 <a:latin typeface="Arial"/>
               </a:rPr>
               <a:t>Third Outline Level</a:t>
             </a:r>
-            <a:endParaRPr b="0" lang="es-MX" sz="1800" spc="-1" strike="noStrike">
-              <a:solidFill>
-                <a:srgbClr val="000000"/>
-              </a:solidFill>
+            <a:endParaRPr b="0" lang="en-US" sz="2400" spc="-1" strike="noStrike">
               <a:latin typeface="Arial"/>
             </a:endParaRPr>
           </a:p>
           <a:p>
             <a:pPr lvl="3" marL="1728000" indent="-216000">
-              <a:lnSpc>
-                <a:spcPct val="90000"/>
-              </a:lnSpc>
               <a:spcBef>
                 <a:spcPts val="567"/>
               </a:spcBef>
@@ -5825,26 +4929,17 @@
               <a:buChar char=""/>
             </a:pPr>
             <a:r>
-              <a:rPr b="0" lang="es-MX" sz="1800" spc="-1" strike="noStrike">
-                <a:solidFill>
-                  <a:srgbClr val="000000"/>
-                </a:solidFill>
+              <a:rPr b="0" lang="en-US" sz="2000" spc="-1" strike="noStrike">
                 <a:latin typeface="Arial"/>
               </a:rPr>
               <a:t>Fourth Outline Level</a:t>
             </a:r>
-            <a:endParaRPr b="0" lang="es-MX" sz="1800" spc="-1" strike="noStrike">
-              <a:solidFill>
-                <a:srgbClr val="000000"/>
-              </a:solidFill>
+            <a:endParaRPr b="0" lang="en-US" sz="2000" spc="-1" strike="noStrike">
               <a:latin typeface="Arial"/>
             </a:endParaRPr>
           </a:p>
           <a:p>
             <a:pPr lvl="4" marL="2160000" indent="-216000">
-              <a:lnSpc>
-                <a:spcPct val="90000"/>
-              </a:lnSpc>
               <a:spcBef>
                 <a:spcPts val="283"/>
               </a:spcBef>
@@ -5856,26 +4951,17 @@
               <a:buChar char=""/>
             </a:pPr>
             <a:r>
-              <a:rPr b="0" lang="es-MX" sz="2000" spc="-1" strike="noStrike">
-                <a:solidFill>
-                  <a:srgbClr val="000000"/>
-                </a:solidFill>
+              <a:rPr b="0" lang="en-US" sz="2000" spc="-1" strike="noStrike">
                 <a:latin typeface="Arial"/>
               </a:rPr>
               <a:t>Fifth Outline Level</a:t>
             </a:r>
-            <a:endParaRPr b="0" lang="es-MX" sz="2000" spc="-1" strike="noStrike">
-              <a:solidFill>
-                <a:srgbClr val="000000"/>
-              </a:solidFill>
+            <a:endParaRPr b="0" lang="en-US" sz="2000" spc="-1" strike="noStrike">
               <a:latin typeface="Arial"/>
             </a:endParaRPr>
           </a:p>
           <a:p>
             <a:pPr lvl="5" marL="2592000" indent="-216000">
-              <a:lnSpc>
-                <a:spcPct val="90000"/>
-              </a:lnSpc>
               <a:spcBef>
                 <a:spcPts val="283"/>
               </a:spcBef>
@@ -5887,26 +4973,17 @@
               <a:buChar char=""/>
             </a:pPr>
             <a:r>
-              <a:rPr b="0" lang="es-MX" sz="2000" spc="-1" strike="noStrike">
-                <a:solidFill>
-                  <a:srgbClr val="000000"/>
-                </a:solidFill>
+              <a:rPr b="0" lang="en-US" sz="2000" spc="-1" strike="noStrike">
                 <a:latin typeface="Arial"/>
               </a:rPr>
               <a:t>Sixth Outline Level</a:t>
             </a:r>
-            <a:endParaRPr b="0" lang="es-MX" sz="2000" spc="-1" strike="noStrike">
-              <a:solidFill>
-                <a:srgbClr val="000000"/>
-              </a:solidFill>
+            <a:endParaRPr b="0" lang="en-US" sz="2000" spc="-1" strike="noStrike">
               <a:latin typeface="Arial"/>
             </a:endParaRPr>
           </a:p>
           <a:p>
             <a:pPr lvl="6" marL="3024000" indent="-216000">
-              <a:lnSpc>
-                <a:spcPct val="90000"/>
-              </a:lnSpc>
               <a:spcBef>
                 <a:spcPts val="283"/>
               </a:spcBef>
@@ -5918,18 +4995,12 @@
               <a:buChar char=""/>
             </a:pPr>
             <a:r>
-              <a:rPr b="0" lang="es-MX" sz="2000" spc="-1" strike="noStrike">
-                <a:solidFill>
-                  <a:srgbClr val="000000"/>
-                </a:solidFill>
+              <a:rPr b="0" lang="en-US" sz="2000" spc="-1" strike="noStrike">
                 <a:latin typeface="Arial"/>
               </a:rPr>
               <a:t>Seventh Outline Level</a:t>
             </a:r>
-            <a:endParaRPr b="0" lang="es-MX" sz="2000" spc="-1" strike="noStrike">
-              <a:solidFill>
-                <a:srgbClr val="000000"/>
-              </a:solidFill>
+            <a:endParaRPr b="0" lang="en-US" sz="2000" spc="-1" strike="noStrike">
               <a:latin typeface="Arial"/>
             </a:endParaRPr>
           </a:p>
@@ -5987,13 +5058,13 @@
         </p:nvPicPr>
         <p:blipFill>
           <a:blip r:embed="rId2"/>
-          <a:srcRect l="0" t="34942" r="0" b="47378"/>
+          <a:srcRect l="0" t="34938" r="0" b="47374"/>
           <a:stretch/>
         </p:blipFill>
         <p:spPr>
           <a:xfrm>
             <a:off x="0" y="5672160"/>
-            <a:ext cx="12298320" cy="1193400"/>
+            <a:ext cx="12297960" cy="1193040"/>
           </a:xfrm>
           <a:prstGeom prst="rect">
             <a:avLst/>
@@ -6012,7 +5083,7 @@
         <p:spPr>
           <a:xfrm>
             <a:off x="0" y="5672160"/>
-            <a:ext cx="12188880" cy="501480"/>
+            <a:ext cx="12188520" cy="501120"/>
           </a:xfrm>
           <a:prstGeom prst="rect">
             <a:avLst/>
@@ -6058,7 +5129,7 @@
         <p:spPr>
           <a:xfrm>
             <a:off x="0" y="0"/>
-            <a:ext cx="12188880" cy="226800"/>
+            <a:ext cx="12188520" cy="226440"/>
           </a:xfrm>
           <a:prstGeom prst="rect">
             <a:avLst/>
@@ -6113,19 +5184,16 @@
             <a:noAutofit/>
           </a:bodyPr>
           <a:p>
+            <a:pPr algn="ctr">
+              <a:buNone/>
+            </a:pPr>
             <a:r>
-              <a:rPr b="0" lang="es-MX" sz="1800" spc="-1" strike="noStrike">
-                <a:solidFill>
-                  <a:srgbClr val="000000"/>
-                </a:solidFill>
+              <a:rPr b="0" lang="en-US" sz="4400" spc="-1" strike="noStrike">
                 <a:latin typeface="Arial"/>
               </a:rPr>
               <a:t>Click to edit the title text format</a:t>
             </a:r>
-            <a:endParaRPr b="0" lang="es-MX" sz="1800" spc="-1" strike="noStrike">
-              <a:solidFill>
-                <a:srgbClr val="000000"/>
-              </a:solidFill>
+            <a:endParaRPr b="0" lang="en-US" sz="4400" spc="-1" strike="noStrike">
               <a:latin typeface="Arial"/>
             </a:endParaRPr>
           </a:p>
@@ -6160,9 +5228,6 @@
           </a:bodyPr>
           <a:p>
             <a:pPr marL="432000" indent="-324000">
-              <a:lnSpc>
-                <a:spcPct val="90000"/>
-              </a:lnSpc>
               <a:spcBef>
                 <a:spcPts val="1417"/>
               </a:spcBef>
@@ -6174,26 +5239,17 @@
               <a:buChar char=""/>
             </a:pPr>
             <a:r>
-              <a:rPr b="0" lang="es-MX" sz="2800" spc="-1" strike="noStrike">
-                <a:solidFill>
-                  <a:srgbClr val="000000"/>
-                </a:solidFill>
+              <a:rPr b="0" lang="en-US" sz="3200" spc="-1" strike="noStrike">
                 <a:latin typeface="Arial"/>
               </a:rPr>
               <a:t>Click to edit the outline text format</a:t>
             </a:r>
-            <a:endParaRPr b="0" lang="es-MX" sz="2800" spc="-1" strike="noStrike">
-              <a:solidFill>
-                <a:srgbClr val="000000"/>
-              </a:solidFill>
+            <a:endParaRPr b="0" lang="en-US" sz="3200" spc="-1" strike="noStrike">
               <a:latin typeface="Arial"/>
             </a:endParaRPr>
           </a:p>
           <a:p>
             <a:pPr lvl="1" marL="864000" indent="-324000">
-              <a:lnSpc>
-                <a:spcPct val="90000"/>
-              </a:lnSpc>
               <a:spcBef>
                 <a:spcPts val="1134"/>
               </a:spcBef>
@@ -6205,26 +5261,17 @@
               <a:buChar char=""/>
             </a:pPr>
             <a:r>
-              <a:rPr b="0" lang="es-MX" sz="2000" spc="-1" strike="noStrike">
-                <a:solidFill>
-                  <a:srgbClr val="000000"/>
-                </a:solidFill>
+              <a:rPr b="0" lang="en-US" sz="2800" spc="-1" strike="noStrike">
                 <a:latin typeface="Arial"/>
               </a:rPr>
               <a:t>Second Outline Level</a:t>
             </a:r>
-            <a:endParaRPr b="0" lang="es-MX" sz="2000" spc="-1" strike="noStrike">
-              <a:solidFill>
-                <a:srgbClr val="000000"/>
-              </a:solidFill>
+            <a:endParaRPr b="0" lang="en-US" sz="2800" spc="-1" strike="noStrike">
               <a:latin typeface="Arial"/>
             </a:endParaRPr>
           </a:p>
           <a:p>
             <a:pPr lvl="2" marL="1296000" indent="-288000">
-              <a:lnSpc>
-                <a:spcPct val="90000"/>
-              </a:lnSpc>
               <a:spcBef>
                 <a:spcPts val="850"/>
               </a:spcBef>
@@ -6236,26 +5283,17 @@
               <a:buChar char=""/>
             </a:pPr>
             <a:r>
-              <a:rPr b="0" lang="es-MX" sz="1800" spc="-1" strike="noStrike">
-                <a:solidFill>
-                  <a:srgbClr val="000000"/>
-                </a:solidFill>
+              <a:rPr b="0" lang="en-US" sz="2400" spc="-1" strike="noStrike">
                 <a:latin typeface="Arial"/>
               </a:rPr>
               <a:t>Third Outline Level</a:t>
             </a:r>
-            <a:endParaRPr b="0" lang="es-MX" sz="1800" spc="-1" strike="noStrike">
-              <a:solidFill>
-                <a:srgbClr val="000000"/>
-              </a:solidFill>
+            <a:endParaRPr b="0" lang="en-US" sz="2400" spc="-1" strike="noStrike">
               <a:latin typeface="Arial"/>
             </a:endParaRPr>
           </a:p>
           <a:p>
             <a:pPr lvl="3" marL="1728000" indent="-216000">
-              <a:lnSpc>
-                <a:spcPct val="90000"/>
-              </a:lnSpc>
               <a:spcBef>
                 <a:spcPts val="567"/>
               </a:spcBef>
@@ -6267,26 +5305,17 @@
               <a:buChar char=""/>
             </a:pPr>
             <a:r>
-              <a:rPr b="0" lang="es-MX" sz="1800" spc="-1" strike="noStrike">
-                <a:solidFill>
-                  <a:srgbClr val="000000"/>
-                </a:solidFill>
+              <a:rPr b="0" lang="en-US" sz="2000" spc="-1" strike="noStrike">
                 <a:latin typeface="Arial"/>
               </a:rPr>
               <a:t>Fourth Outline Level</a:t>
             </a:r>
-            <a:endParaRPr b="0" lang="es-MX" sz="1800" spc="-1" strike="noStrike">
-              <a:solidFill>
-                <a:srgbClr val="000000"/>
-              </a:solidFill>
+            <a:endParaRPr b="0" lang="en-US" sz="2000" spc="-1" strike="noStrike">
               <a:latin typeface="Arial"/>
             </a:endParaRPr>
           </a:p>
           <a:p>
             <a:pPr lvl="4" marL="2160000" indent="-216000">
-              <a:lnSpc>
-                <a:spcPct val="90000"/>
-              </a:lnSpc>
               <a:spcBef>
                 <a:spcPts val="283"/>
               </a:spcBef>
@@ -6298,26 +5327,17 @@
               <a:buChar char=""/>
             </a:pPr>
             <a:r>
-              <a:rPr b="0" lang="es-MX" sz="2000" spc="-1" strike="noStrike">
-                <a:solidFill>
-                  <a:srgbClr val="000000"/>
-                </a:solidFill>
+              <a:rPr b="0" lang="en-US" sz="2000" spc="-1" strike="noStrike">
                 <a:latin typeface="Arial"/>
               </a:rPr>
               <a:t>Fifth Outline Level</a:t>
             </a:r>
-            <a:endParaRPr b="0" lang="es-MX" sz="2000" spc="-1" strike="noStrike">
-              <a:solidFill>
-                <a:srgbClr val="000000"/>
-              </a:solidFill>
+            <a:endParaRPr b="0" lang="en-US" sz="2000" spc="-1" strike="noStrike">
               <a:latin typeface="Arial"/>
             </a:endParaRPr>
           </a:p>
           <a:p>
             <a:pPr lvl="5" marL="2592000" indent="-216000">
-              <a:lnSpc>
-                <a:spcPct val="90000"/>
-              </a:lnSpc>
               <a:spcBef>
                 <a:spcPts val="283"/>
               </a:spcBef>
@@ -6329,26 +5349,17 @@
               <a:buChar char=""/>
             </a:pPr>
             <a:r>
-              <a:rPr b="0" lang="es-MX" sz="2000" spc="-1" strike="noStrike">
-                <a:solidFill>
-                  <a:srgbClr val="000000"/>
-                </a:solidFill>
+              <a:rPr b="0" lang="en-US" sz="2000" spc="-1" strike="noStrike">
                 <a:latin typeface="Arial"/>
               </a:rPr>
               <a:t>Sixth Outline Level</a:t>
             </a:r>
-            <a:endParaRPr b="0" lang="es-MX" sz="2000" spc="-1" strike="noStrike">
-              <a:solidFill>
-                <a:srgbClr val="000000"/>
-              </a:solidFill>
+            <a:endParaRPr b="0" lang="en-US" sz="2000" spc="-1" strike="noStrike">
               <a:latin typeface="Arial"/>
             </a:endParaRPr>
           </a:p>
           <a:p>
             <a:pPr lvl="6" marL="3024000" indent="-216000">
-              <a:lnSpc>
-                <a:spcPct val="90000"/>
-              </a:lnSpc>
               <a:spcBef>
                 <a:spcPts val="283"/>
               </a:spcBef>
@@ -6360,18 +5371,12 @@
               <a:buChar char=""/>
             </a:pPr>
             <a:r>
-              <a:rPr b="0" lang="es-MX" sz="2000" spc="-1" strike="noStrike">
-                <a:solidFill>
-                  <a:srgbClr val="000000"/>
-                </a:solidFill>
+              <a:rPr b="0" lang="en-US" sz="2000" spc="-1" strike="noStrike">
                 <a:latin typeface="Arial"/>
               </a:rPr>
               <a:t>Seventh Outline Level</a:t>
             </a:r>
-            <a:endParaRPr b="0" lang="es-MX" sz="2000" spc="-1" strike="noStrike">
-              <a:solidFill>
-                <a:srgbClr val="000000"/>
-              </a:solidFill>
+            <a:endParaRPr b="0" lang="en-US" sz="2000" spc="-1" strike="noStrike">
               <a:latin typeface="Arial"/>
             </a:endParaRPr>
           </a:p>
@@ -6429,13 +5434,13 @@
         </p:nvPicPr>
         <p:blipFill>
           <a:blip r:embed="rId2"/>
-          <a:srcRect l="0" t="34942" r="0" b="47378"/>
+          <a:srcRect l="0" t="34938" r="0" b="47374"/>
           <a:stretch/>
         </p:blipFill>
         <p:spPr>
           <a:xfrm>
             <a:off x="0" y="5672160"/>
-            <a:ext cx="12298320" cy="1193400"/>
+            <a:ext cx="12297960" cy="1193040"/>
           </a:xfrm>
           <a:prstGeom prst="rect">
             <a:avLst/>
@@ -6454,7 +5459,7 @@
         <p:spPr>
           <a:xfrm>
             <a:off x="0" y="5672160"/>
-            <a:ext cx="12188880" cy="501480"/>
+            <a:ext cx="12188520" cy="501120"/>
           </a:xfrm>
           <a:prstGeom prst="rect">
             <a:avLst/>
@@ -6500,7 +5505,7 @@
         <p:spPr>
           <a:xfrm>
             <a:off x="0" y="0"/>
-            <a:ext cx="12188880" cy="226800"/>
+            <a:ext cx="12188520" cy="226440"/>
           </a:xfrm>
           <a:prstGeom prst="rect">
             <a:avLst/>
@@ -6555,19 +5560,16 @@
             <a:noAutofit/>
           </a:bodyPr>
           <a:p>
+            <a:pPr algn="ctr">
+              <a:buNone/>
+            </a:pPr>
             <a:r>
-              <a:rPr b="0" lang="es-MX" sz="1800" spc="-1" strike="noStrike">
-                <a:solidFill>
-                  <a:srgbClr val="000000"/>
-                </a:solidFill>
+              <a:rPr b="0" lang="en-US" sz="4400" spc="-1" strike="noStrike">
                 <a:latin typeface="Arial"/>
               </a:rPr>
               <a:t>Click to edit the title text format</a:t>
             </a:r>
-            <a:endParaRPr b="0" lang="es-MX" sz="1800" spc="-1" strike="noStrike">
-              <a:solidFill>
-                <a:srgbClr val="000000"/>
-              </a:solidFill>
+            <a:endParaRPr b="0" lang="en-US" sz="4400" spc="-1" strike="noStrike">
               <a:latin typeface="Arial"/>
             </a:endParaRPr>
           </a:p>
@@ -6602,9 +5604,6 @@
           </a:bodyPr>
           <a:p>
             <a:pPr marL="432000" indent="-324000">
-              <a:lnSpc>
-                <a:spcPct val="90000"/>
-              </a:lnSpc>
               <a:spcBef>
                 <a:spcPts val="1417"/>
               </a:spcBef>
@@ -6616,26 +5615,17 @@
               <a:buChar char=""/>
             </a:pPr>
             <a:r>
-              <a:rPr b="0" lang="es-MX" sz="2800" spc="-1" strike="noStrike">
-                <a:solidFill>
-                  <a:srgbClr val="000000"/>
-                </a:solidFill>
+              <a:rPr b="0" lang="en-US" sz="3200" spc="-1" strike="noStrike">
                 <a:latin typeface="Arial"/>
               </a:rPr>
               <a:t>Click to edit the outline text format</a:t>
             </a:r>
-            <a:endParaRPr b="0" lang="es-MX" sz="2800" spc="-1" strike="noStrike">
-              <a:solidFill>
-                <a:srgbClr val="000000"/>
-              </a:solidFill>
+            <a:endParaRPr b="0" lang="en-US" sz="3200" spc="-1" strike="noStrike">
               <a:latin typeface="Arial"/>
             </a:endParaRPr>
           </a:p>
           <a:p>
             <a:pPr lvl="1" marL="864000" indent="-324000">
-              <a:lnSpc>
-                <a:spcPct val="90000"/>
-              </a:lnSpc>
               <a:spcBef>
                 <a:spcPts val="1134"/>
               </a:spcBef>
@@ -6647,26 +5637,17 @@
               <a:buChar char=""/>
             </a:pPr>
             <a:r>
-              <a:rPr b="0" lang="es-MX" sz="2000" spc="-1" strike="noStrike">
-                <a:solidFill>
-                  <a:srgbClr val="000000"/>
-                </a:solidFill>
+              <a:rPr b="0" lang="en-US" sz="2800" spc="-1" strike="noStrike">
                 <a:latin typeface="Arial"/>
               </a:rPr>
               <a:t>Second Outline Level</a:t>
             </a:r>
-            <a:endParaRPr b="0" lang="es-MX" sz="2000" spc="-1" strike="noStrike">
-              <a:solidFill>
-                <a:srgbClr val="000000"/>
-              </a:solidFill>
+            <a:endParaRPr b="0" lang="en-US" sz="2800" spc="-1" strike="noStrike">
               <a:latin typeface="Arial"/>
             </a:endParaRPr>
           </a:p>
           <a:p>
             <a:pPr lvl="2" marL="1296000" indent="-288000">
-              <a:lnSpc>
-                <a:spcPct val="90000"/>
-              </a:lnSpc>
               <a:spcBef>
                 <a:spcPts val="850"/>
               </a:spcBef>
@@ -6678,26 +5659,17 @@
               <a:buChar char=""/>
             </a:pPr>
             <a:r>
-              <a:rPr b="0" lang="es-MX" sz="1800" spc="-1" strike="noStrike">
-                <a:solidFill>
-                  <a:srgbClr val="000000"/>
-                </a:solidFill>
+              <a:rPr b="0" lang="en-US" sz="2400" spc="-1" strike="noStrike">
                 <a:latin typeface="Arial"/>
               </a:rPr>
               <a:t>Third Outline Level</a:t>
             </a:r>
-            <a:endParaRPr b="0" lang="es-MX" sz="1800" spc="-1" strike="noStrike">
-              <a:solidFill>
-                <a:srgbClr val="000000"/>
-              </a:solidFill>
+            <a:endParaRPr b="0" lang="en-US" sz="2400" spc="-1" strike="noStrike">
               <a:latin typeface="Arial"/>
             </a:endParaRPr>
           </a:p>
           <a:p>
             <a:pPr lvl="3" marL="1728000" indent="-216000">
-              <a:lnSpc>
-                <a:spcPct val="90000"/>
-              </a:lnSpc>
               <a:spcBef>
                 <a:spcPts val="567"/>
               </a:spcBef>
@@ -6709,26 +5681,17 @@
               <a:buChar char=""/>
             </a:pPr>
             <a:r>
-              <a:rPr b="0" lang="es-MX" sz="1800" spc="-1" strike="noStrike">
-                <a:solidFill>
-                  <a:srgbClr val="000000"/>
-                </a:solidFill>
+              <a:rPr b="0" lang="en-US" sz="2000" spc="-1" strike="noStrike">
                 <a:latin typeface="Arial"/>
               </a:rPr>
               <a:t>Fourth Outline Level</a:t>
             </a:r>
-            <a:endParaRPr b="0" lang="es-MX" sz="1800" spc="-1" strike="noStrike">
-              <a:solidFill>
-                <a:srgbClr val="000000"/>
-              </a:solidFill>
+            <a:endParaRPr b="0" lang="en-US" sz="2000" spc="-1" strike="noStrike">
               <a:latin typeface="Arial"/>
             </a:endParaRPr>
           </a:p>
           <a:p>
             <a:pPr lvl="4" marL="2160000" indent="-216000">
-              <a:lnSpc>
-                <a:spcPct val="90000"/>
-              </a:lnSpc>
               <a:spcBef>
                 <a:spcPts val="283"/>
               </a:spcBef>
@@ -6740,26 +5703,17 @@
               <a:buChar char=""/>
             </a:pPr>
             <a:r>
-              <a:rPr b="0" lang="es-MX" sz="2000" spc="-1" strike="noStrike">
-                <a:solidFill>
-                  <a:srgbClr val="000000"/>
-                </a:solidFill>
+              <a:rPr b="0" lang="en-US" sz="2000" spc="-1" strike="noStrike">
                 <a:latin typeface="Arial"/>
               </a:rPr>
               <a:t>Fifth Outline Level</a:t>
             </a:r>
-            <a:endParaRPr b="0" lang="es-MX" sz="2000" spc="-1" strike="noStrike">
-              <a:solidFill>
-                <a:srgbClr val="000000"/>
-              </a:solidFill>
+            <a:endParaRPr b="0" lang="en-US" sz="2000" spc="-1" strike="noStrike">
               <a:latin typeface="Arial"/>
             </a:endParaRPr>
           </a:p>
           <a:p>
             <a:pPr lvl="5" marL="2592000" indent="-216000">
-              <a:lnSpc>
-                <a:spcPct val="90000"/>
-              </a:lnSpc>
               <a:spcBef>
                 <a:spcPts val="283"/>
               </a:spcBef>
@@ -6771,26 +5725,17 @@
               <a:buChar char=""/>
             </a:pPr>
             <a:r>
-              <a:rPr b="0" lang="es-MX" sz="2000" spc="-1" strike="noStrike">
-                <a:solidFill>
-                  <a:srgbClr val="000000"/>
-                </a:solidFill>
+              <a:rPr b="0" lang="en-US" sz="2000" spc="-1" strike="noStrike">
                 <a:latin typeface="Arial"/>
               </a:rPr>
               <a:t>Sixth Outline Level</a:t>
             </a:r>
-            <a:endParaRPr b="0" lang="es-MX" sz="2000" spc="-1" strike="noStrike">
-              <a:solidFill>
-                <a:srgbClr val="000000"/>
-              </a:solidFill>
+            <a:endParaRPr b="0" lang="en-US" sz="2000" spc="-1" strike="noStrike">
               <a:latin typeface="Arial"/>
             </a:endParaRPr>
           </a:p>
           <a:p>
             <a:pPr lvl="6" marL="3024000" indent="-216000">
-              <a:lnSpc>
-                <a:spcPct val="90000"/>
-              </a:lnSpc>
               <a:spcBef>
                 <a:spcPts val="283"/>
               </a:spcBef>
@@ -6802,18 +5747,12 @@
               <a:buChar char=""/>
             </a:pPr>
             <a:r>
-              <a:rPr b="0" lang="es-MX" sz="2000" spc="-1" strike="noStrike">
-                <a:solidFill>
-                  <a:srgbClr val="000000"/>
-                </a:solidFill>
+              <a:rPr b="0" lang="en-US" sz="2000" spc="-1" strike="noStrike">
                 <a:latin typeface="Arial"/>
               </a:rPr>
               <a:t>Seventh Outline Level</a:t>
             </a:r>
-            <a:endParaRPr b="0" lang="es-MX" sz="2000" spc="-1" strike="noStrike">
-              <a:solidFill>
-                <a:srgbClr val="000000"/>
-              </a:solidFill>
+            <a:endParaRPr b="0" lang="en-US" sz="2000" spc="-1" strike="noStrike">
               <a:latin typeface="Arial"/>
             </a:endParaRPr>
           </a:p>
@@ -6865,7 +5804,7 @@
         <p:spPr>
           <a:xfrm>
             <a:off x="273600" y="256320"/>
-            <a:ext cx="2132280" cy="1331280"/>
+            <a:ext cx="2131920" cy="1330920"/>
           </a:xfrm>
           <a:custGeom>
             <a:avLst/>
@@ -6983,7 +5922,7 @@
         <p:spPr>
           <a:xfrm>
             <a:off x="179280" y="3887640"/>
-            <a:ext cx="5056560" cy="1568160"/>
+            <a:ext cx="5056200" cy="1568160"/>
           </a:xfrm>
           <a:prstGeom prst="rect">
             <a:avLst/>
@@ -7142,14 +6081,14 @@
       </p:grpSpPr>
       <p:sp>
         <p:nvSpPr>
-          <p:cNvPr id="157" name="CustomShape 1"/>
+          <p:cNvPr id="154" name="CustomShape 7"/>
           <p:cNvSpPr/>
           <p:nvPr/>
         </p:nvSpPr>
         <p:spPr>
           <a:xfrm>
             <a:off x="623520" y="764640"/>
-            <a:ext cx="11134080" cy="572760"/>
+            <a:ext cx="11133720" cy="572400"/>
           </a:xfrm>
           <a:prstGeom prst="rect">
             <a:avLst/>
@@ -7184,7 +6123,7 @@
                 <a:latin typeface="Calibri Light"/>
                 <a:ea typeface="DejaVu Sans"/>
               </a:rPr>
-              <a:t>2.3. Aprendizaje de la estructura de las redes Bayesianas</a:t>
+              <a:t>2.3. Aprendizaje de las redes Bayesianas: estructura</a:t>
             </a:r>
             <a:endParaRPr b="0" lang="en-US" sz="4400" spc="-1" strike="noStrike">
               <a:latin typeface="Arial"/>
@@ -7194,14 +6133,14 @@
       </p:sp>
       <p:sp>
         <p:nvSpPr>
-          <p:cNvPr id="158" name="CustomShape 2"/>
+          <p:cNvPr id="155" name="CustomShape 8"/>
           <p:cNvSpPr/>
           <p:nvPr/>
         </p:nvSpPr>
         <p:spPr>
           <a:xfrm>
             <a:off x="4019040" y="3647520"/>
-            <a:ext cx="69480" cy="166680"/>
+            <a:ext cx="69120" cy="166320"/>
           </a:xfrm>
           <a:prstGeom prst="rect">
             <a:avLst/>
@@ -7220,14 +6159,14 @@
       </p:sp>
       <p:sp>
         <p:nvSpPr>
-          <p:cNvPr id="159" name="CuadroTexto 158"/>
+          <p:cNvPr id="156" name="CuadroTexto 1"/>
           <p:cNvSpPr/>
           <p:nvPr/>
         </p:nvSpPr>
         <p:spPr>
           <a:xfrm>
             <a:off x="685800" y="2971800"/>
-            <a:ext cx="10058040" cy="1863360"/>
+            <a:ext cx="10057680" cy="1863000"/>
           </a:xfrm>
           <a:prstGeom prst="rect">
             <a:avLst/>
@@ -7366,14 +6305,14 @@
       </p:grpSpPr>
       <p:sp>
         <p:nvSpPr>
-          <p:cNvPr id="160" name="CustomShape 5"/>
+          <p:cNvPr id="157" name="CustomShape 9"/>
           <p:cNvSpPr/>
           <p:nvPr/>
         </p:nvSpPr>
         <p:spPr>
           <a:xfrm>
             <a:off x="623520" y="764640"/>
-            <a:ext cx="11134080" cy="572760"/>
+            <a:ext cx="11133720" cy="572400"/>
           </a:xfrm>
           <a:prstGeom prst="rect">
             <a:avLst/>
@@ -7408,7 +6347,7 @@
                 <a:latin typeface="Calibri Light"/>
                 <a:ea typeface="DejaVu Sans"/>
               </a:rPr>
-              <a:t>2.4. Redes Bayesianas Dinámicas</a:t>
+              <a:t>2.3. Inferencia en las redes Bayesianas</a:t>
             </a:r>
             <a:endParaRPr b="0" lang="en-US" sz="4400" spc="-1" strike="noStrike">
               <a:latin typeface="Arial"/>
@@ -7418,14 +6357,14 @@
       </p:sp>
       <p:sp>
         <p:nvSpPr>
-          <p:cNvPr id="161" name="CustomShape 6"/>
+          <p:cNvPr id="158" name="CustomShape 10"/>
           <p:cNvSpPr/>
           <p:nvPr/>
         </p:nvSpPr>
         <p:spPr>
           <a:xfrm>
             <a:off x="4019040" y="3647520"/>
-            <a:ext cx="69480" cy="166680"/>
+            <a:ext cx="69120" cy="166320"/>
           </a:xfrm>
           <a:prstGeom prst="rect">
             <a:avLst/>
@@ -7442,29 +6381,69 @@
           <a:fontRef idx="minor"/>
         </p:style>
       </p:sp>
-      <p:pic>
-        <p:nvPicPr>
-          <p:cNvPr id="162" name="Imagen 161" descr=""/>
-          <p:cNvPicPr/>
+      <p:sp>
+        <p:nvSpPr>
+          <p:cNvPr id="159" name="CuadroTexto 2"/>
+          <p:cNvSpPr/>
           <p:nvPr/>
-        </p:nvPicPr>
-        <p:blipFill>
-          <a:blip r:embed="rId1"/>
-          <a:stretch/>
-        </p:blipFill>
-        <p:spPr>
-          <a:xfrm>
-            <a:off x="2057400" y="1660320"/>
-            <a:ext cx="8228880" cy="4140720"/>
-          </a:xfrm>
-          <a:prstGeom prst="rect">
-            <a:avLst/>
-          </a:prstGeom>
-          <a:ln w="0">
-            <a:noFill/>
-          </a:ln>
-        </p:spPr>
-      </p:pic>
+        </p:nvSpPr>
+        <p:spPr>
+          <a:xfrm>
+            <a:off x="685800" y="2971800"/>
+            <a:ext cx="10057680" cy="1863000"/>
+          </a:xfrm>
+          <a:prstGeom prst="rect">
+            <a:avLst/>
+          </a:prstGeom>
+          <a:noFill/>
+          <a:ln w="0">
+            <a:noFill/>
+          </a:ln>
+        </p:spPr>
+        <p:style>
+          <a:lnRef idx="0"/>
+          <a:fillRef idx="0"/>
+          <a:effectRef idx="0"/>
+          <a:fontRef idx="minor"/>
+        </p:style>
+        <p:txBody>
+          <a:bodyPr lIns="90000" rIns="90000" tIns="45000" bIns="45000" anchor="t">
+            <a:noAutofit/>
+          </a:bodyPr>
+          <a:p>
+            <a:pPr>
+              <a:lnSpc>
+                <a:spcPct val="100000"/>
+              </a:lnSpc>
+              <a:buNone/>
+            </a:pPr>
+            <a:r>
+              <a:rPr b="0" lang="en-US" sz="2000" spc="-1" strike="noStrike">
+                <a:solidFill>
+                  <a:srgbClr val="000000"/>
+                </a:solidFill>
+                <a:latin typeface="Calibri"/>
+                <a:ea typeface="DejaVu Sans"/>
+              </a:rPr>
+              <a:t>- Constraint-based structure learning.</a:t>
+            </a:r>
+            <a:endParaRPr b="0" lang="en-US" sz="2000" spc="-1" strike="noStrike">
+              <a:latin typeface="Arial"/>
+            </a:endParaRPr>
+          </a:p>
+          <a:p>
+            <a:pPr>
+              <a:lnSpc>
+                <a:spcPct val="100000"/>
+              </a:lnSpc>
+              <a:buNone/>
+            </a:pPr>
+            <a:endParaRPr b="0" lang="en-US" sz="2000" spc="-1" strike="noStrike">
+              <a:latin typeface="Arial"/>
+            </a:endParaRPr>
+          </a:p>
+        </p:txBody>
+      </p:sp>
     </p:spTree>
   </p:cSld>
   <mc:AlternateContent>
@@ -7497,14 +6476,14 @@
       </p:grpSpPr>
       <p:sp>
         <p:nvSpPr>
-          <p:cNvPr id="163" name="CustomShape 1"/>
+          <p:cNvPr id="160" name="CustomShape 1"/>
           <p:cNvSpPr/>
           <p:nvPr/>
         </p:nvSpPr>
         <p:spPr>
           <a:xfrm>
             <a:off x="623520" y="764640"/>
-            <a:ext cx="11134080" cy="572760"/>
+            <a:ext cx="11133720" cy="572400"/>
           </a:xfrm>
           <a:prstGeom prst="rect">
             <a:avLst/>
@@ -7549,14 +6528,14 @@
       </p:sp>
       <p:sp>
         <p:nvSpPr>
-          <p:cNvPr id="164" name="CustomShape 2"/>
+          <p:cNvPr id="161" name="CustomShape 2"/>
           <p:cNvSpPr/>
           <p:nvPr/>
         </p:nvSpPr>
         <p:spPr>
           <a:xfrm>
             <a:off x="4019040" y="3647520"/>
-            <a:ext cx="69480" cy="166680"/>
+            <a:ext cx="69120" cy="166320"/>
           </a:xfrm>
           <a:prstGeom prst="rect">
             <a:avLst/>
@@ -7575,7 +6554,7 @@
       </p:sp>
       <p:pic>
         <p:nvPicPr>
-          <p:cNvPr id="165" name="Imagen 164" descr=""/>
+          <p:cNvPr id="162" name="Imagen 164" descr=""/>
           <p:cNvPicPr/>
           <p:nvPr/>
         </p:nvPicPr>
@@ -7586,7 +6565,7 @@
         <p:spPr>
           <a:xfrm>
             <a:off x="6605280" y="1349640"/>
-            <a:ext cx="4366800" cy="4364640"/>
+            <a:ext cx="4366440" cy="4364280"/>
           </a:xfrm>
           <a:prstGeom prst="rect">
             <a:avLst/>
@@ -7598,14 +6577,14 @@
       </p:pic>
       <p:sp>
         <p:nvSpPr>
-          <p:cNvPr id="166" name="Rectángulo 165"/>
+          <p:cNvPr id="163" name="Rectángulo 165"/>
           <p:cNvSpPr/>
           <p:nvPr/>
         </p:nvSpPr>
         <p:spPr>
           <a:xfrm>
             <a:off x="685800" y="3271320"/>
-            <a:ext cx="5372280" cy="385560"/>
+            <a:ext cx="5371920" cy="385200"/>
           </a:xfrm>
           <a:prstGeom prst="rect">
             <a:avLst/>
@@ -7680,6 +6659,137 @@
       </p:grpSpPr>
       <p:sp>
         <p:nvSpPr>
+          <p:cNvPr id="164" name="CustomShape 5"/>
+          <p:cNvSpPr/>
+          <p:nvPr/>
+        </p:nvSpPr>
+        <p:spPr>
+          <a:xfrm>
+            <a:off x="623520" y="764640"/>
+            <a:ext cx="11133720" cy="572400"/>
+          </a:xfrm>
+          <a:prstGeom prst="rect">
+            <a:avLst/>
+          </a:prstGeom>
+          <a:noFill/>
+          <a:ln w="0">
+            <a:noFill/>
+          </a:ln>
+        </p:spPr>
+        <p:style>
+          <a:lnRef idx="0"/>
+          <a:fillRef idx="0"/>
+          <a:effectRef idx="0"/>
+          <a:fontRef idx="minor"/>
+        </p:style>
+        <p:txBody>
+          <a:bodyPr lIns="90000" rIns="90000" tIns="45000" bIns="45000" anchor="ctr">
+            <a:noAutofit/>
+          </a:bodyPr>
+          <a:p>
+            <a:pPr>
+              <a:lnSpc>
+                <a:spcPct val="100000"/>
+              </a:lnSpc>
+              <a:buNone/>
+            </a:pPr>
+            <a:r>
+              <a:rPr b="1" i="1" lang="en-US" sz="4400" spc="-1" strike="noStrike">
+                <a:solidFill>
+                  <a:srgbClr val="ac3526"/>
+                </a:solidFill>
+                <a:latin typeface="Calibri Light"/>
+                <a:ea typeface="DejaVu Sans"/>
+              </a:rPr>
+              <a:t>2.4. Redes Bayesianas Dinámicas</a:t>
+            </a:r>
+            <a:endParaRPr b="0" lang="en-US" sz="4400" spc="-1" strike="noStrike">
+              <a:latin typeface="Arial"/>
+            </a:endParaRPr>
+          </a:p>
+        </p:txBody>
+      </p:sp>
+      <p:sp>
+        <p:nvSpPr>
+          <p:cNvPr id="165" name="CustomShape 6"/>
+          <p:cNvSpPr/>
+          <p:nvPr/>
+        </p:nvSpPr>
+        <p:spPr>
+          <a:xfrm>
+            <a:off x="4019040" y="3647520"/>
+            <a:ext cx="69120" cy="166320"/>
+          </a:xfrm>
+          <a:prstGeom prst="rect">
+            <a:avLst/>
+          </a:prstGeom>
+          <a:noFill/>
+          <a:ln w="0">
+            <a:noFill/>
+          </a:ln>
+        </p:spPr>
+        <p:style>
+          <a:lnRef idx="0"/>
+          <a:fillRef idx="0"/>
+          <a:effectRef idx="0"/>
+          <a:fontRef idx="minor"/>
+        </p:style>
+      </p:sp>
+      <p:pic>
+        <p:nvPicPr>
+          <p:cNvPr id="166" name="Imagen 161" descr=""/>
+          <p:cNvPicPr/>
+          <p:nvPr/>
+        </p:nvPicPr>
+        <p:blipFill>
+          <a:blip r:embed="rId1"/>
+          <a:stretch/>
+        </p:blipFill>
+        <p:spPr>
+          <a:xfrm>
+            <a:off x="2057400" y="1660320"/>
+            <a:ext cx="8228520" cy="4140360"/>
+          </a:xfrm>
+          <a:prstGeom prst="rect">
+            <a:avLst/>
+          </a:prstGeom>
+          <a:ln w="0">
+            <a:noFill/>
+          </a:ln>
+        </p:spPr>
+      </p:pic>
+    </p:spTree>
+  </p:cSld>
+  <mc:AlternateContent>
+    <mc:Choice Requires="p14">
+      <p:transition spd="slow" p14:dur="2000"/>
+    </mc:Choice>
+    <mc:Fallback>
+      <p:transition spd="slow"/>
+    </mc:Fallback>
+  </mc:AlternateContent>
+</p:sld>
+</file>
+
+<file path=ppt/slides/slide14.xml><?xml version="1.0" encoding="utf-8"?>
+<p:sld xmlns:a="http://schemas.openxmlformats.org/drawingml/2006/main" xmlns:p="http://schemas.openxmlformats.org/presentationml/2006/main" xmlns:r="http://schemas.openxmlformats.org/officeDocument/2006/relationships" xmlns:p14="http://schemas.microsoft.com/office/powerpoint/2010/main" xmlns:p15="http://schemas.microsoft.com/office/powerpoint/2012/main" xmlns:mc="http://schemas.openxmlformats.org/markup-compatibility/2006">
+  <p:cSld>
+    <p:spTree>
+      <p:nvGrpSpPr>
+        <p:cNvPr id="1" name=""/>
+        <p:cNvGrpSpPr/>
+        <p:nvPr/>
+      </p:nvGrpSpPr>
+      <p:grpSpPr>
+        <a:xfrm>
+          <a:off x="0" y="0"/>
+          <a:ext cx="0" cy="0"/>
+          <a:chOff x="0" y="0"/>
+          <a:chExt cx="0" cy="0"/>
+        </a:xfrm>
+      </p:grpSpPr>
+      <p:sp>
+        <p:nvSpPr>
           <p:cNvPr id="167" name="CustomShape 1"/>
           <p:cNvSpPr/>
           <p:nvPr/>
@@ -7687,7 +6797,7 @@
         <p:spPr>
           <a:xfrm>
             <a:off x="623520" y="764640"/>
-            <a:ext cx="11134080" cy="572760"/>
+            <a:ext cx="11133720" cy="572400"/>
           </a:xfrm>
           <a:prstGeom prst="rect">
             <a:avLst/>
@@ -7739,7 +6849,7 @@
         <p:spPr>
           <a:xfrm>
             <a:off x="4019040" y="3647520"/>
-            <a:ext cx="69480" cy="166680"/>
+            <a:ext cx="69120" cy="166320"/>
           </a:xfrm>
           <a:prstGeom prst="rect">
             <a:avLst/>
@@ -7765,7 +6875,7 @@
         <p:spPr>
           <a:xfrm>
             <a:off x="914400" y="2273760"/>
-            <a:ext cx="10513080" cy="2156760"/>
+            <a:ext cx="10512720" cy="2156400"/>
           </a:xfrm>
           <a:prstGeom prst="rect">
             <a:avLst/>
@@ -7854,6 +6964,48 @@
                 <a:ea typeface="DejaVu Sans"/>
               </a:rPr>
               <a:t>Jensen, F. V., &amp; Nielsen, T. D. (2007). Bayesian networks and decision graphs (Vol. 2). New York: Springer.</a:t>
+            </a:r>
+            <a:endParaRPr b="0" lang="en-US" sz="2000" spc="-1" strike="noStrike">
+              <a:latin typeface="Arial"/>
+            </a:endParaRPr>
+          </a:p>
+          <a:p>
+            <a:pPr lvl="1" marL="432000" indent="-216000">
+              <a:lnSpc>
+                <a:spcPct val="100000"/>
+              </a:lnSpc>
+              <a:buClr>
+                <a:srgbClr val="000000"/>
+              </a:buClr>
+              <a:buSzPct val="45000"/>
+              <a:buFont typeface="Wingdings" charset="2"/>
+              <a:buChar char=""/>
+            </a:pPr>
+            <a:endParaRPr b="0" lang="en-US" sz="2000" spc="-1" strike="noStrike">
+              <a:latin typeface="Arial"/>
+            </a:endParaRPr>
+          </a:p>
+          <a:p>
+            <a:pPr lvl="1" marL="432000" indent="-216000">
+              <a:lnSpc>
+                <a:spcPct val="100000"/>
+              </a:lnSpc>
+              <a:buClr>
+                <a:srgbClr val="000000"/>
+              </a:buClr>
+              <a:buSzPct val="45000"/>
+              <a:buFont typeface="Wingdings" charset="2"/>
+              <a:buChar char=""/>
+            </a:pPr>
+            <a:r>
+              <a:rPr b="0" lang="en-US" sz="2000" spc="-1" strike="noStrike">
+                <a:solidFill>
+                  <a:srgbClr val="000000"/>
+                </a:solidFill>
+                <a:latin typeface="Calibri"/>
+                <a:ea typeface="DejaVu Sans"/>
+              </a:rPr>
+              <a:t>Sucar, L. E., &amp; Tonantzintla, M. (2006). Redes bayesianas. Aprendizaje Automático: conceptos básicos y avanzados, 77, 100.</a:t>
             </a:r>
             <a:endParaRPr b="0" lang="en-US" sz="2000" spc="-1" strike="noStrike">
               <a:latin typeface="Arial"/>
@@ -7997,7 +7149,7 @@
         <p:spPr>
           <a:xfrm>
             <a:off x="623520" y="764640"/>
-            <a:ext cx="11134080" cy="572760"/>
+            <a:ext cx="11133720" cy="572400"/>
           </a:xfrm>
           <a:prstGeom prst="rect">
             <a:avLst/>
@@ -8049,7 +7201,7 @@
         <p:spPr>
           <a:xfrm>
             <a:off x="457200" y="1828800"/>
-            <a:ext cx="10284480" cy="678960"/>
+            <a:ext cx="10284120" cy="678600"/>
           </a:xfrm>
           <a:prstGeom prst="rect">
             <a:avLst/>
@@ -8131,7 +7283,7 @@
         <p:spPr>
           <a:xfrm>
             <a:off x="623520" y="764640"/>
-            <a:ext cx="11134080" cy="572760"/>
+            <a:ext cx="11133720" cy="572400"/>
           </a:xfrm>
           <a:prstGeom prst="rect">
             <a:avLst/>
@@ -8183,7 +7335,7 @@
         <p:spPr>
           <a:xfrm>
             <a:off x="914400" y="1955520"/>
-            <a:ext cx="10513080" cy="2156760"/>
+            <a:ext cx="10512720" cy="2156400"/>
           </a:xfrm>
           <a:prstGeom prst="rect">
             <a:avLst/>
@@ -8250,7 +7402,7 @@
                 <a:latin typeface="Calibri"/>
                 <a:ea typeface="DejaVu Sans"/>
               </a:rPr>
-              <a:t>2.1. Clasificadores bayesianos.</a:t>
+              <a:t>2.1. Redes Bayesianas (representación)</a:t>
             </a:r>
             <a:endParaRPr b="0" lang="en-US" sz="2000" spc="-1" strike="noStrike">
               <a:latin typeface="Arial"/>
@@ -8282,7 +7434,17 @@
                 <a:latin typeface="Calibri"/>
                 <a:ea typeface="DejaVu Sans"/>
               </a:rPr>
-              <a:t>2.2. Redes Bayesianas</a:t>
+              <a:t>2.2. </a:t>
+            </a:r>
+            <a:r>
+              <a:rPr b="0" lang="en-US" sz="2000" spc="-1" strike="noStrike">
+                <a:solidFill>
+                  <a:srgbClr val="000000"/>
+                </a:solidFill>
+                <a:latin typeface="Calibri"/>
+                <a:ea typeface="DejaVu Sans"/>
+              </a:rPr>
+              <a:t>Clasificadores bayesianos.</a:t>
             </a:r>
             <a:endParaRPr b="0" lang="en-US" sz="2000" spc="-1" strike="noStrike">
               <a:latin typeface="Arial"/>
@@ -8393,7 +7555,7 @@
         <p:spPr>
           <a:xfrm>
             <a:off x="623520" y="764640"/>
-            <a:ext cx="11134080" cy="572760"/>
+            <a:ext cx="11133720" cy="572400"/>
           </a:xfrm>
           <a:prstGeom prst="rect">
             <a:avLst/>
@@ -8428,7 +7590,7 @@
                 <a:latin typeface="Calibri Light"/>
                 <a:ea typeface="DejaVu Sans"/>
               </a:rPr>
-              <a:t>2.1. Introducción</a:t>
+              <a:t>2.2. Clasificadores Bayesianos</a:t>
             </a:r>
             <a:endParaRPr b="0" lang="en-US" sz="4400" spc="-1" strike="noStrike">
               <a:latin typeface="Arial"/>
@@ -8444,8 +7606,8 @@
         </p:nvSpPr>
         <p:spPr>
           <a:xfrm>
-            <a:off x="1828800" y="2057400"/>
-            <a:ext cx="8684280" cy="3220200"/>
+            <a:off x="4019040" y="3647520"/>
+            <a:ext cx="69120" cy="166320"/>
           </a:xfrm>
           <a:prstGeom prst="rect">
             <a:avLst/>
@@ -8461,121 +7623,6 @@
           <a:effectRef idx="0"/>
           <a:fontRef idx="minor"/>
         </p:style>
-        <p:txBody>
-          <a:bodyPr lIns="90000" rIns="90000" tIns="45000" bIns="45000" anchor="t">
-            <a:noAutofit/>
-          </a:bodyPr>
-          <a:p>
-            <a:pPr>
-              <a:lnSpc>
-                <a:spcPct val="100000"/>
-              </a:lnSpc>
-              <a:buNone/>
-            </a:pPr>
-            <a:endParaRPr b="0" lang="en-US" sz="1800" spc="-1" strike="noStrike">
-              <a:latin typeface="Arial"/>
-            </a:endParaRPr>
-          </a:p>
-          <a:p>
-            <a:pPr>
-              <a:lnSpc>
-                <a:spcPct val="100000"/>
-              </a:lnSpc>
-              <a:buNone/>
-            </a:pPr>
-            <a:endParaRPr b="0" lang="en-US" sz="1800" spc="-1" strike="noStrike">
-              <a:latin typeface="Arial"/>
-            </a:endParaRPr>
-          </a:p>
-          <a:p>
-            <a:pPr>
-              <a:lnSpc>
-                <a:spcPct val="100000"/>
-              </a:lnSpc>
-              <a:buNone/>
-            </a:pPr>
-            <a:endParaRPr b="0" lang="en-US" sz="1800" spc="-1" strike="noStrike">
-              <a:latin typeface="Arial"/>
-            </a:endParaRPr>
-          </a:p>
-          <a:p>
-            <a:pPr>
-              <a:lnSpc>
-                <a:spcPct val="100000"/>
-              </a:lnSpc>
-              <a:buNone/>
-            </a:pPr>
-            <a:endParaRPr b="0" lang="en-US" sz="1800" spc="-1" strike="noStrike">
-              <a:latin typeface="Arial"/>
-            </a:endParaRPr>
-          </a:p>
-          <a:p>
-            <a:pPr>
-              <a:lnSpc>
-                <a:spcPct val="100000"/>
-              </a:lnSpc>
-              <a:buNone/>
-            </a:pPr>
-            <a:endParaRPr b="0" lang="en-US" sz="1800" spc="-1" strike="noStrike">
-              <a:latin typeface="Arial"/>
-            </a:endParaRPr>
-          </a:p>
-          <a:p>
-            <a:pPr>
-              <a:lnSpc>
-                <a:spcPct val="100000"/>
-              </a:lnSpc>
-              <a:buNone/>
-            </a:pPr>
-            <a:endParaRPr b="0" lang="en-US" sz="1800" spc="-1" strike="noStrike">
-              <a:latin typeface="Arial"/>
-            </a:endParaRPr>
-          </a:p>
-          <a:p>
-            <a:pPr>
-              <a:lnSpc>
-                <a:spcPct val="100000"/>
-              </a:lnSpc>
-              <a:buNone/>
-            </a:pPr>
-            <a:endParaRPr b="0" lang="en-US" sz="1800" spc="-1" strike="noStrike">
-              <a:latin typeface="Arial"/>
-            </a:endParaRPr>
-          </a:p>
-          <a:p>
-            <a:pPr>
-              <a:lnSpc>
-                <a:spcPct val="100000"/>
-              </a:lnSpc>
-              <a:buNone/>
-            </a:pPr>
-            <a:endParaRPr b="0" lang="en-US" sz="1800" spc="-1" strike="noStrike">
-              <a:latin typeface="Arial"/>
-            </a:endParaRPr>
-          </a:p>
-          <a:p>
-            <a:pPr>
-              <a:lnSpc>
-                <a:spcPct val="100000"/>
-              </a:lnSpc>
-              <a:buNone/>
-            </a:pPr>
-            <a:endParaRPr b="0" lang="en-US" sz="1800" spc="-1" strike="noStrike">
-              <a:latin typeface="Arial"/>
-            </a:endParaRPr>
-          </a:p>
-          <a:p>
-            <a:pPr>
-              <a:lnSpc>
-                <a:spcPct val="100000"/>
-              </a:lnSpc>
-              <a:buNone/>
-            </a:pPr>
-            <a:endParaRPr b="0" lang="en-US" sz="1800" spc="-1" strike="noStrike">
-              <a:latin typeface="Arial"/>
-            </a:endParaRPr>
-          </a:p>
-        </p:txBody>
       </p:sp>
       <p:sp>
         <p:nvSpPr>
@@ -8585,8 +7632,8 @@
         </p:nvSpPr>
         <p:spPr>
           <a:xfrm>
-            <a:off x="4019040" y="3647520"/>
-            <a:ext cx="69480" cy="166680"/>
+            <a:off x="686880" y="1600200"/>
+            <a:ext cx="10741320" cy="3283560"/>
           </a:xfrm>
           <a:prstGeom prst="rect">
             <a:avLst/>
@@ -8602,21 +7649,49 @@
           <a:effectRef idx="0"/>
           <a:fontRef idx="minor"/>
         </p:style>
+        <p:txBody>
+          <a:bodyPr lIns="90000" rIns="90000" tIns="45000" bIns="45000" anchor="t">
+            <a:noAutofit/>
+          </a:bodyPr>
+          <a:p>
+            <a:pPr>
+              <a:lnSpc>
+                <a:spcPct val="100000"/>
+              </a:lnSpc>
+              <a:buNone/>
+            </a:pPr>
+            <a:endParaRPr b="0" lang="en-US" sz="1800" spc="-1" strike="noStrike">
+              <a:latin typeface="Arial"/>
+            </a:endParaRPr>
+          </a:p>
+          <a:p>
+            <a:pPr>
+              <a:lnSpc>
+                <a:spcPct val="100000"/>
+              </a:lnSpc>
+              <a:buNone/>
+            </a:pPr>
+            <a:endParaRPr b="0" lang="en-US" sz="1800" spc="-1" strike="noStrike">
+              <a:latin typeface="Arial"/>
+            </a:endParaRPr>
+          </a:p>
+        </p:txBody>
       </p:sp>
       <p:pic>
         <p:nvPicPr>
-          <p:cNvPr id="134" name="Imagen 133" descr=""/>
+          <p:cNvPr id="134" name="Imagen 151" descr=""/>
           <p:cNvPicPr/>
           <p:nvPr/>
         </p:nvPicPr>
         <p:blipFill>
           <a:blip r:embed="rId1"/>
+          <a:srcRect l="0" t="12300" r="0" b="0"/>
           <a:stretch/>
         </p:blipFill>
         <p:spPr>
           <a:xfrm>
-            <a:off x="794520" y="2476800"/>
-            <a:ext cx="5656680" cy="2323080"/>
+            <a:off x="457200" y="2514600"/>
+            <a:ext cx="11230560" cy="2742120"/>
           </a:xfrm>
           <a:prstGeom prst="rect">
             <a:avLst/>
@@ -8626,39 +7701,16 @@
           </a:ln>
         </p:spPr>
       </p:pic>
-      <p:pic>
-        <p:nvPicPr>
-          <p:cNvPr id="135" name="Imagen 134" descr=""/>
-          <p:cNvPicPr/>
-          <p:nvPr/>
-        </p:nvPicPr>
-        <p:blipFill>
-          <a:blip r:embed="rId2"/>
-          <a:stretch/>
-        </p:blipFill>
-        <p:spPr>
-          <a:xfrm>
-            <a:off x="7086600" y="3191400"/>
-            <a:ext cx="3704040" cy="1151280"/>
-          </a:xfrm>
-          <a:prstGeom prst="rect">
-            <a:avLst/>
-          </a:prstGeom>
-          <a:ln w="0">
-            <a:noFill/>
-          </a:ln>
-        </p:spPr>
-      </p:pic>
-      <p:sp>
-        <p:nvSpPr>
-          <p:cNvPr id="136" name="Rectángulo 135"/>
+      <p:sp>
+        <p:nvSpPr>
+          <p:cNvPr id="135" name="Rectángulo 152"/>
           <p:cNvSpPr/>
           <p:nvPr/>
         </p:nvSpPr>
         <p:spPr>
           <a:xfrm>
-            <a:off x="1006560" y="1828800"/>
-            <a:ext cx="8822520" cy="680760"/>
+            <a:off x="1692360" y="1899720"/>
+            <a:ext cx="5393160" cy="385200"/>
           </a:xfrm>
           <a:prstGeom prst="rect">
             <a:avLst/>
@@ -8693,7 +7745,7 @@
                 <a:latin typeface="Calibri"/>
                 <a:ea typeface="DejaVu Sans"/>
               </a:rPr>
-              <a:t>Representación  de las distribuciones condicionales</a:t>
+              <a:t>Un clasificador bayesiano está dado por:</a:t>
             </a:r>
             <a:endParaRPr b="0" lang="en-US" sz="2000" spc="-1" strike="noStrike">
               <a:latin typeface="Arial"/>
@@ -8733,14 +7785,14 @@
       </p:grpSpPr>
       <p:sp>
         <p:nvSpPr>
-          <p:cNvPr id="137" name="CustomShape 1"/>
+          <p:cNvPr id="136" name="CustomShape 1"/>
           <p:cNvSpPr/>
           <p:nvPr/>
         </p:nvSpPr>
         <p:spPr>
           <a:xfrm>
             <a:off x="623520" y="764640"/>
-            <a:ext cx="11134080" cy="572760"/>
+            <a:ext cx="11133720" cy="572400"/>
           </a:xfrm>
           <a:prstGeom prst="rect">
             <a:avLst/>
@@ -8775,7 +7827,7 @@
                 <a:latin typeface="Calibri Light"/>
                 <a:ea typeface="DejaVu Sans"/>
               </a:rPr>
-              <a:t>2.1. Clasificadores Bayesianos</a:t>
+              <a:t>2.1. Redes Bayesianas</a:t>
             </a:r>
             <a:endParaRPr b="0" lang="en-US" sz="4400" spc="-1" strike="noStrike">
               <a:latin typeface="Arial"/>
@@ -8785,14 +7837,14 @@
       </p:sp>
       <p:sp>
         <p:nvSpPr>
-          <p:cNvPr id="138" name="CustomShape 2"/>
+          <p:cNvPr id="137" name="CustomShape 2"/>
           <p:cNvSpPr/>
           <p:nvPr/>
         </p:nvSpPr>
         <p:spPr>
           <a:xfrm>
-            <a:off x="4019040" y="3647520"/>
-            <a:ext cx="69480" cy="166680"/>
+            <a:off x="1828800" y="2057400"/>
+            <a:ext cx="8683920" cy="3219840"/>
           </a:xfrm>
           <a:prstGeom prst="rect">
             <a:avLst/>
@@ -8808,17 +7860,132 @@
           <a:effectRef idx="0"/>
           <a:fontRef idx="minor"/>
         </p:style>
-      </p:sp>
-      <p:sp>
-        <p:nvSpPr>
-          <p:cNvPr id="139" name="CustomShape 3"/>
+        <p:txBody>
+          <a:bodyPr lIns="90000" rIns="90000" tIns="45000" bIns="45000" anchor="t">
+            <a:noAutofit/>
+          </a:bodyPr>
+          <a:p>
+            <a:pPr>
+              <a:lnSpc>
+                <a:spcPct val="100000"/>
+              </a:lnSpc>
+              <a:buNone/>
+            </a:pPr>
+            <a:endParaRPr b="0" lang="en-US" sz="1800" spc="-1" strike="noStrike">
+              <a:latin typeface="Arial"/>
+            </a:endParaRPr>
+          </a:p>
+          <a:p>
+            <a:pPr>
+              <a:lnSpc>
+                <a:spcPct val="100000"/>
+              </a:lnSpc>
+              <a:buNone/>
+            </a:pPr>
+            <a:endParaRPr b="0" lang="en-US" sz="1800" spc="-1" strike="noStrike">
+              <a:latin typeface="Arial"/>
+            </a:endParaRPr>
+          </a:p>
+          <a:p>
+            <a:pPr>
+              <a:lnSpc>
+                <a:spcPct val="100000"/>
+              </a:lnSpc>
+              <a:buNone/>
+            </a:pPr>
+            <a:endParaRPr b="0" lang="en-US" sz="1800" spc="-1" strike="noStrike">
+              <a:latin typeface="Arial"/>
+            </a:endParaRPr>
+          </a:p>
+          <a:p>
+            <a:pPr>
+              <a:lnSpc>
+                <a:spcPct val="100000"/>
+              </a:lnSpc>
+              <a:buNone/>
+            </a:pPr>
+            <a:endParaRPr b="0" lang="en-US" sz="1800" spc="-1" strike="noStrike">
+              <a:latin typeface="Arial"/>
+            </a:endParaRPr>
+          </a:p>
+          <a:p>
+            <a:pPr>
+              <a:lnSpc>
+                <a:spcPct val="100000"/>
+              </a:lnSpc>
+              <a:buNone/>
+            </a:pPr>
+            <a:endParaRPr b="0" lang="en-US" sz="1800" spc="-1" strike="noStrike">
+              <a:latin typeface="Arial"/>
+            </a:endParaRPr>
+          </a:p>
+          <a:p>
+            <a:pPr>
+              <a:lnSpc>
+                <a:spcPct val="100000"/>
+              </a:lnSpc>
+              <a:buNone/>
+            </a:pPr>
+            <a:endParaRPr b="0" lang="en-US" sz="1800" spc="-1" strike="noStrike">
+              <a:latin typeface="Arial"/>
+            </a:endParaRPr>
+          </a:p>
+          <a:p>
+            <a:pPr>
+              <a:lnSpc>
+                <a:spcPct val="100000"/>
+              </a:lnSpc>
+              <a:buNone/>
+            </a:pPr>
+            <a:endParaRPr b="0" lang="en-US" sz="1800" spc="-1" strike="noStrike">
+              <a:latin typeface="Arial"/>
+            </a:endParaRPr>
+          </a:p>
+          <a:p>
+            <a:pPr>
+              <a:lnSpc>
+                <a:spcPct val="100000"/>
+              </a:lnSpc>
+              <a:buNone/>
+            </a:pPr>
+            <a:endParaRPr b="0" lang="en-US" sz="1800" spc="-1" strike="noStrike">
+              <a:latin typeface="Arial"/>
+            </a:endParaRPr>
+          </a:p>
+          <a:p>
+            <a:pPr>
+              <a:lnSpc>
+                <a:spcPct val="100000"/>
+              </a:lnSpc>
+              <a:buNone/>
+            </a:pPr>
+            <a:endParaRPr b="0" lang="en-US" sz="1800" spc="-1" strike="noStrike">
+              <a:latin typeface="Arial"/>
+            </a:endParaRPr>
+          </a:p>
+          <a:p>
+            <a:pPr>
+              <a:lnSpc>
+                <a:spcPct val="100000"/>
+              </a:lnSpc>
+              <a:buNone/>
+            </a:pPr>
+            <a:endParaRPr b="0" lang="en-US" sz="1800" spc="-1" strike="noStrike">
+              <a:latin typeface="Arial"/>
+            </a:endParaRPr>
+          </a:p>
+        </p:txBody>
+      </p:sp>
+      <p:sp>
+        <p:nvSpPr>
+          <p:cNvPr id="138" name="CustomShape 3"/>
           <p:cNvSpPr/>
           <p:nvPr/>
         </p:nvSpPr>
         <p:spPr>
           <a:xfrm>
-            <a:off x="686880" y="1600200"/>
-            <a:ext cx="7084080" cy="1827360"/>
+            <a:off x="4019040" y="3647520"/>
+            <a:ext cx="69120" cy="166320"/>
           </a:xfrm>
           <a:prstGeom prst="rect">
             <a:avLst/>
@@ -8834,113 +8001,10 @@
           <a:effectRef idx="0"/>
           <a:fontRef idx="minor"/>
         </p:style>
-        <p:txBody>
-          <a:bodyPr lIns="90000" rIns="90000" tIns="45000" bIns="45000" anchor="t">
-            <a:noAutofit/>
-          </a:bodyPr>
-          <a:p>
-            <a:pPr>
-              <a:lnSpc>
-                <a:spcPct val="100000"/>
-              </a:lnSpc>
-              <a:buNone/>
-            </a:pPr>
-            <a:endParaRPr b="0" lang="en-US" sz="1800" spc="-1" strike="noStrike">
-              <a:latin typeface="Arial"/>
-            </a:endParaRPr>
-          </a:p>
-          <a:p>
-            <a:pPr>
-              <a:lnSpc>
-                <a:spcPct val="100000"/>
-              </a:lnSpc>
-              <a:buNone/>
-            </a:pPr>
-            <a:endParaRPr b="0" lang="en-US" sz="1800" spc="-1" strike="noStrike">
-              <a:latin typeface="Arial"/>
-            </a:endParaRPr>
-          </a:p>
-          <a:p>
-            <a:pPr>
-              <a:lnSpc>
-                <a:spcPct val="100000"/>
-              </a:lnSpc>
-              <a:buNone/>
-            </a:pPr>
-            <a:endParaRPr b="0" lang="en-US" sz="1800" spc="-1" strike="noStrike">
-              <a:latin typeface="Arial"/>
-            </a:endParaRPr>
-          </a:p>
-          <a:p>
-            <a:pPr>
-              <a:lnSpc>
-                <a:spcPct val="100000"/>
-              </a:lnSpc>
-              <a:buNone/>
-            </a:pPr>
-            <a:endParaRPr b="0" lang="en-US" sz="1800" spc="-1" strike="noStrike">
-              <a:latin typeface="Arial"/>
-            </a:endParaRPr>
-          </a:p>
-          <a:p>
-            <a:pPr>
-              <a:lnSpc>
-                <a:spcPct val="100000"/>
-              </a:lnSpc>
-              <a:buNone/>
-            </a:pPr>
-            <a:r>
-              <a:rPr b="0" lang="en-US" sz="2000" spc="-1" strike="noStrike">
-                <a:solidFill>
-                  <a:srgbClr val="000000"/>
-                </a:solidFill>
-                <a:latin typeface="Calibri"/>
-                <a:ea typeface="DejaVu Sans"/>
-              </a:rPr>
-              <a:t>Antes que nada, ¿qué es un clasificador?</a:t>
-            </a:r>
-            <a:endParaRPr b="0" lang="en-US" sz="2000" spc="-1" strike="noStrike">
-              <a:latin typeface="Arial"/>
-            </a:endParaRPr>
-          </a:p>
-          <a:p>
-            <a:pPr>
-              <a:lnSpc>
-                <a:spcPct val="100000"/>
-              </a:lnSpc>
-              <a:buNone/>
-            </a:pPr>
-            <a:endParaRPr b="0" lang="en-US" sz="2000" spc="-1" strike="noStrike">
-              <a:latin typeface="Arial"/>
-            </a:endParaRPr>
-          </a:p>
-          <a:p>
-            <a:pPr>
-              <a:lnSpc>
-                <a:spcPct val="100000"/>
-              </a:lnSpc>
-              <a:buNone/>
-            </a:pPr>
-            <a:endParaRPr b="0" lang="en-US" sz="2000" spc="-1" strike="noStrike">
-              <a:latin typeface="Arial"/>
-            </a:endParaRPr>
-          </a:p>
-          <a:p>
-            <a:pPr>
-              <a:lnSpc>
-                <a:spcPct val="100000"/>
-              </a:lnSpc>
-              <a:buNone/>
-            </a:pPr>
-            <a:endParaRPr b="0" lang="en-US" sz="2000" spc="-1" strike="noStrike">
-              <a:latin typeface="Arial"/>
-            </a:endParaRPr>
-          </a:p>
-        </p:txBody>
       </p:sp>
       <p:pic>
         <p:nvPicPr>
-          <p:cNvPr id="140" name="Imagen 147" descr=""/>
+          <p:cNvPr id="139" name="Imagen 143" descr=""/>
           <p:cNvPicPr/>
           <p:nvPr/>
         </p:nvPicPr>
@@ -8950,8 +8014,8 @@
         </p:blipFill>
         <p:spPr>
           <a:xfrm>
-            <a:off x="6480000" y="1872000"/>
-            <a:ext cx="3715200" cy="3279600"/>
+            <a:off x="2880000" y="1728000"/>
+            <a:ext cx="5542560" cy="3718440"/>
           </a:xfrm>
           <a:prstGeom prst="rect">
             <a:avLst/>
@@ -8993,14 +8057,14 @@
       </p:grpSpPr>
       <p:sp>
         <p:nvSpPr>
-          <p:cNvPr id="141" name="CustomShape 1"/>
+          <p:cNvPr id="140" name="CustomShape 1"/>
           <p:cNvSpPr/>
           <p:nvPr/>
         </p:nvSpPr>
         <p:spPr>
           <a:xfrm>
             <a:off x="623520" y="764640"/>
-            <a:ext cx="11134080" cy="572760"/>
+            <a:ext cx="11133720" cy="572400"/>
           </a:xfrm>
           <a:prstGeom prst="rect">
             <a:avLst/>
@@ -9035,7 +8099,7 @@
                 <a:latin typeface="Calibri Light"/>
                 <a:ea typeface="DejaVu Sans"/>
               </a:rPr>
-              <a:t>2.1. Clasificadores Bayesianos</a:t>
+              <a:t>2.1. Redes Bayesianas</a:t>
             </a:r>
             <a:endParaRPr b="0" lang="en-US" sz="4400" spc="-1" strike="noStrike">
               <a:latin typeface="Arial"/>
@@ -9045,14 +8109,14 @@
       </p:sp>
       <p:sp>
         <p:nvSpPr>
-          <p:cNvPr id="142" name="CustomShape 2"/>
+          <p:cNvPr id="141" name="CustomShape 2"/>
           <p:cNvSpPr/>
           <p:nvPr/>
         </p:nvSpPr>
         <p:spPr>
           <a:xfrm>
-            <a:off x="4019040" y="3647520"/>
-            <a:ext cx="69480" cy="166680"/>
+            <a:off x="1828800" y="2057400"/>
+            <a:ext cx="8683920" cy="3219840"/>
           </a:xfrm>
           <a:prstGeom prst="rect">
             <a:avLst/>
@@ -9068,30 +8132,311 @@
           <a:effectRef idx="0"/>
           <a:fontRef idx="minor"/>
         </p:style>
-      </p:sp>
-      <p:pic>
-        <p:nvPicPr>
-          <p:cNvPr id="143" name="Imagen 155" descr=""/>
-          <p:cNvPicPr/>
+        <p:txBody>
+          <a:bodyPr lIns="90000" rIns="90000" tIns="45000" bIns="45000" anchor="t">
+            <a:noAutofit/>
+          </a:bodyPr>
+          <a:p>
+            <a:pPr>
+              <a:lnSpc>
+                <a:spcPct val="100000"/>
+              </a:lnSpc>
+              <a:buNone/>
+            </a:pPr>
+            <a:endParaRPr b="0" lang="en-US" sz="1800" spc="-1" strike="noStrike">
+              <a:latin typeface="Arial"/>
+            </a:endParaRPr>
+          </a:p>
+          <a:p>
+            <a:pPr>
+              <a:lnSpc>
+                <a:spcPct val="100000"/>
+              </a:lnSpc>
+              <a:buNone/>
+            </a:pPr>
+            <a:endParaRPr b="0" lang="en-US" sz="1800" spc="-1" strike="noStrike">
+              <a:latin typeface="Arial"/>
+            </a:endParaRPr>
+          </a:p>
+          <a:p>
+            <a:pPr>
+              <a:lnSpc>
+                <a:spcPct val="100000"/>
+              </a:lnSpc>
+              <a:buNone/>
+            </a:pPr>
+            <a:endParaRPr b="0" lang="en-US" sz="1800" spc="-1" strike="noStrike">
+              <a:latin typeface="Arial"/>
+            </a:endParaRPr>
+          </a:p>
+          <a:p>
+            <a:pPr>
+              <a:lnSpc>
+                <a:spcPct val="100000"/>
+              </a:lnSpc>
+              <a:buNone/>
+            </a:pPr>
+            <a:endParaRPr b="0" lang="en-US" sz="1800" spc="-1" strike="noStrike">
+              <a:latin typeface="Arial"/>
+            </a:endParaRPr>
+          </a:p>
+          <a:p>
+            <a:pPr>
+              <a:lnSpc>
+                <a:spcPct val="100000"/>
+              </a:lnSpc>
+              <a:buNone/>
+            </a:pPr>
+            <a:endParaRPr b="0" lang="en-US" sz="1800" spc="-1" strike="noStrike">
+              <a:latin typeface="Arial"/>
+            </a:endParaRPr>
+          </a:p>
+          <a:p>
+            <a:pPr>
+              <a:lnSpc>
+                <a:spcPct val="100000"/>
+              </a:lnSpc>
+              <a:buNone/>
+            </a:pPr>
+            <a:endParaRPr b="0" lang="en-US" sz="1800" spc="-1" strike="noStrike">
+              <a:latin typeface="Arial"/>
+            </a:endParaRPr>
+          </a:p>
+          <a:p>
+            <a:pPr>
+              <a:lnSpc>
+                <a:spcPct val="100000"/>
+              </a:lnSpc>
+              <a:buNone/>
+            </a:pPr>
+            <a:endParaRPr b="0" lang="en-US" sz="1800" spc="-1" strike="noStrike">
+              <a:latin typeface="Arial"/>
+            </a:endParaRPr>
+          </a:p>
+          <a:p>
+            <a:pPr>
+              <a:lnSpc>
+                <a:spcPct val="100000"/>
+              </a:lnSpc>
+              <a:buNone/>
+            </a:pPr>
+            <a:endParaRPr b="0" lang="en-US" sz="1800" spc="-1" strike="noStrike">
+              <a:latin typeface="Arial"/>
+            </a:endParaRPr>
+          </a:p>
+          <a:p>
+            <a:pPr>
+              <a:lnSpc>
+                <a:spcPct val="100000"/>
+              </a:lnSpc>
+              <a:buNone/>
+            </a:pPr>
+            <a:endParaRPr b="0" lang="en-US" sz="1800" spc="-1" strike="noStrike">
+              <a:latin typeface="Arial"/>
+            </a:endParaRPr>
+          </a:p>
+          <a:p>
+            <a:pPr>
+              <a:lnSpc>
+                <a:spcPct val="100000"/>
+              </a:lnSpc>
+              <a:buNone/>
+            </a:pPr>
+            <a:endParaRPr b="0" lang="en-US" sz="1800" spc="-1" strike="noStrike">
+              <a:latin typeface="Arial"/>
+            </a:endParaRPr>
+          </a:p>
+        </p:txBody>
+      </p:sp>
+      <p:sp>
+        <p:nvSpPr>
+          <p:cNvPr id="142" name="CustomShape 3"/>
+          <p:cNvSpPr/>
           <p:nvPr/>
-        </p:nvPicPr>
-        <p:blipFill>
-          <a:blip r:embed="rId1"/>
-          <a:stretch/>
-        </p:blipFill>
-        <p:spPr>
-          <a:xfrm>
-            <a:off x="1944000" y="1584000"/>
-            <a:ext cx="8067240" cy="3670920"/>
-          </a:xfrm>
-          <a:prstGeom prst="rect">
-            <a:avLst/>
-          </a:prstGeom>
-          <a:ln w="0">
-            <a:noFill/>
-          </a:ln>
-        </p:spPr>
-      </p:pic>
+        </p:nvSpPr>
+        <p:spPr>
+          <a:xfrm>
+            <a:off x="4019040" y="3647520"/>
+            <a:ext cx="69120" cy="166320"/>
+          </a:xfrm>
+          <a:prstGeom prst="rect">
+            <a:avLst/>
+          </a:prstGeom>
+          <a:noFill/>
+          <a:ln w="0">
+            <a:noFill/>
+          </a:ln>
+        </p:spPr>
+        <p:style>
+          <a:lnRef idx="0"/>
+          <a:fillRef idx="0"/>
+          <a:effectRef idx="0"/>
+          <a:fontRef idx="minor"/>
+        </p:style>
+      </p:sp>
+      <p:sp>
+        <p:nvSpPr>
+          <p:cNvPr id="143" name="CustomShape 4"/>
+          <p:cNvSpPr/>
+          <p:nvPr/>
+        </p:nvSpPr>
+        <p:spPr>
+          <a:xfrm>
+            <a:off x="914400" y="1961640"/>
+            <a:ext cx="10512720" cy="2156400"/>
+          </a:xfrm>
+          <a:prstGeom prst="rect">
+            <a:avLst/>
+          </a:prstGeom>
+          <a:noFill/>
+          <a:ln w="0">
+            <a:noFill/>
+          </a:ln>
+        </p:spPr>
+        <p:style>
+          <a:lnRef idx="0"/>
+          <a:fillRef idx="0"/>
+          <a:effectRef idx="0"/>
+          <a:fontRef idx="minor"/>
+        </p:style>
+        <p:txBody>
+          <a:bodyPr lIns="90000" rIns="90000" tIns="45000" bIns="45000" anchor="t">
+            <a:noAutofit/>
+          </a:bodyPr>
+          <a:p>
+            <a:pPr>
+              <a:lnSpc>
+                <a:spcPct val="100000"/>
+              </a:lnSpc>
+              <a:buNone/>
+            </a:pPr>
+            <a:r>
+              <a:rPr b="0" lang="en-US" sz="2000" spc="-1" strike="noStrike">
+                <a:solidFill>
+                  <a:srgbClr val="000000"/>
+                </a:solidFill>
+                <a:latin typeface="Calibri"/>
+                <a:ea typeface="DejaVu Sans"/>
+              </a:rPr>
+              <a:t>Una red bayesiana consiste en:</a:t>
+            </a:r>
+            <a:endParaRPr b="0" lang="en-US" sz="2000" spc="-1" strike="noStrike">
+              <a:latin typeface="Arial"/>
+            </a:endParaRPr>
+          </a:p>
+          <a:p>
+            <a:pPr>
+              <a:lnSpc>
+                <a:spcPct val="100000"/>
+              </a:lnSpc>
+              <a:buNone/>
+            </a:pPr>
+            <a:endParaRPr b="0" lang="en-US" sz="2000" spc="-1" strike="noStrike">
+              <a:latin typeface="Arial"/>
+            </a:endParaRPr>
+          </a:p>
+          <a:p>
+            <a:pPr lvl="1" marL="432000" indent="-216000">
+              <a:lnSpc>
+                <a:spcPct val="100000"/>
+              </a:lnSpc>
+              <a:buClr>
+                <a:srgbClr val="000000"/>
+              </a:buClr>
+              <a:buSzPct val="45000"/>
+              <a:buFont typeface="Wingdings" charset="2"/>
+              <a:buChar char=""/>
+            </a:pPr>
+            <a:r>
+              <a:rPr b="0" lang="en-US" sz="2000" spc="-1" strike="noStrike">
+                <a:solidFill>
+                  <a:srgbClr val="000000"/>
+                </a:solidFill>
+                <a:latin typeface="Calibri"/>
+                <a:ea typeface="DejaVu Sans"/>
+              </a:rPr>
+              <a:t>Un conjunto de variables y un conjunto de conexiones directas entre variables.</a:t>
+            </a:r>
+            <a:endParaRPr b="0" lang="en-US" sz="2000" spc="-1" strike="noStrike">
+              <a:latin typeface="Arial"/>
+            </a:endParaRPr>
+          </a:p>
+          <a:p>
+            <a:pPr>
+              <a:lnSpc>
+                <a:spcPct val="100000"/>
+              </a:lnSpc>
+              <a:buNone/>
+            </a:pPr>
+            <a:endParaRPr b="0" lang="en-US" sz="2000" spc="-1" strike="noStrike">
+              <a:latin typeface="Arial"/>
+            </a:endParaRPr>
+          </a:p>
+          <a:p>
+            <a:pPr lvl="1" marL="432000" indent="-216000">
+              <a:lnSpc>
+                <a:spcPct val="100000"/>
+              </a:lnSpc>
+              <a:buClr>
+                <a:srgbClr val="000000"/>
+              </a:buClr>
+              <a:buSzPct val="45000"/>
+              <a:buFont typeface="Wingdings" charset="2"/>
+              <a:buChar char=""/>
+            </a:pPr>
+            <a:r>
+              <a:rPr b="0" lang="en-US" sz="2000" spc="-1" strike="noStrike">
+                <a:solidFill>
+                  <a:srgbClr val="000000"/>
+                </a:solidFill>
+                <a:latin typeface="Calibri"/>
+                <a:ea typeface="DejaVu Sans"/>
+              </a:rPr>
+              <a:t>Las variables juntas con conexiones directas forman un grafo acíclico.</a:t>
+            </a:r>
+            <a:endParaRPr b="0" lang="en-US" sz="2000" spc="-1" strike="noStrike">
+              <a:latin typeface="Arial"/>
+            </a:endParaRPr>
+          </a:p>
+          <a:p>
+            <a:pPr>
+              <a:lnSpc>
+                <a:spcPct val="100000"/>
+              </a:lnSpc>
+              <a:buNone/>
+            </a:pPr>
+            <a:endParaRPr b="0" lang="en-US" sz="2000" spc="-1" strike="noStrike">
+              <a:latin typeface="Arial"/>
+            </a:endParaRPr>
+          </a:p>
+          <a:p>
+            <a:pPr lvl="1" marL="432000" indent="-216000">
+              <a:lnSpc>
+                <a:spcPct val="100000"/>
+              </a:lnSpc>
+              <a:buClr>
+                <a:srgbClr val="000000"/>
+              </a:buClr>
+              <a:buSzPct val="45000"/>
+              <a:buFont typeface="Wingdings" charset="2"/>
+              <a:buChar char=""/>
+            </a:pPr>
+            <a:r>
+              <a:rPr b="0" lang="en-US" sz="2000" spc="-1" strike="noStrike">
+                <a:solidFill>
+                  <a:srgbClr val="000000"/>
+                </a:solidFill>
+                <a:latin typeface="Calibri"/>
+                <a:ea typeface="DejaVu Sans"/>
+              </a:rPr>
+              <a:t>Para cada variable A con padres B1, …, Bn, hay adjunta una tabla potencial P(A|B1, …, Bn).</a:t>
+            </a:r>
+            <a:endParaRPr b="0" lang="en-US" sz="2000" spc="-1" strike="noStrike">
+              <a:latin typeface="Arial"/>
+            </a:endParaRPr>
+          </a:p>
+        </p:txBody>
+      </p:sp>
     </p:spTree>
   </p:cSld>
   <mc:AlternateContent>
@@ -9131,7 +8476,7 @@
         <p:spPr>
           <a:xfrm>
             <a:off x="623520" y="764640"/>
-            <a:ext cx="11134080" cy="572760"/>
+            <a:ext cx="11133720" cy="572400"/>
           </a:xfrm>
           <a:prstGeom prst="rect">
             <a:avLst/>
@@ -9166,7 +8511,7 @@
                 <a:latin typeface="Calibri Light"/>
                 <a:ea typeface="DejaVu Sans"/>
               </a:rPr>
-              <a:t>2.1. Clasificadores Bayesianos</a:t>
+              <a:t>2.2. Clasificadores Bayesianos</a:t>
             </a:r>
             <a:endParaRPr b="0" lang="en-US" sz="4400" spc="-1" strike="noStrike">
               <a:latin typeface="Arial"/>
@@ -9183,7 +8528,7 @@
         <p:spPr>
           <a:xfrm>
             <a:off x="4019040" y="3647520"/>
-            <a:ext cx="69480" cy="166680"/>
+            <a:ext cx="69120" cy="166320"/>
           </a:xfrm>
           <a:prstGeom prst="rect">
             <a:avLst/>
@@ -9209,7 +8554,7 @@
         <p:spPr>
           <a:xfrm>
             <a:off x="686880" y="1600200"/>
-            <a:ext cx="10741680" cy="3283920"/>
+            <a:ext cx="7083720" cy="1827000"/>
           </a:xfrm>
           <a:prstGeom prst="rect">
             <a:avLst/>
@@ -9251,61 +8596,28 @@
               <a:latin typeface="Arial"/>
             </a:endParaRPr>
           </a:p>
-        </p:txBody>
-      </p:sp>
-      <p:pic>
-        <p:nvPicPr>
-          <p:cNvPr id="147" name="Imagen 151" descr=""/>
-          <p:cNvPicPr/>
-          <p:nvPr/>
-        </p:nvPicPr>
-        <p:blipFill>
-          <a:blip r:embed="rId1"/>
-          <a:srcRect l="0" t="12300" r="0" b="0"/>
-          <a:stretch/>
-        </p:blipFill>
-        <p:spPr>
-          <a:xfrm>
-            <a:off x="457200" y="2514600"/>
-            <a:ext cx="11230920" cy="2742480"/>
-          </a:xfrm>
-          <a:prstGeom prst="rect">
-            <a:avLst/>
-          </a:prstGeom>
-          <a:ln w="0">
-            <a:noFill/>
-          </a:ln>
-        </p:spPr>
-      </p:pic>
-      <p:sp>
-        <p:nvSpPr>
-          <p:cNvPr id="148" name="Rectángulo 152"/>
-          <p:cNvSpPr/>
-          <p:nvPr/>
-        </p:nvSpPr>
-        <p:spPr>
-          <a:xfrm>
-            <a:off x="1692360" y="1899720"/>
-            <a:ext cx="5393520" cy="385560"/>
-          </a:xfrm>
-          <a:prstGeom prst="rect">
-            <a:avLst/>
-          </a:prstGeom>
-          <a:noFill/>
-          <a:ln w="0">
-            <a:noFill/>
-          </a:ln>
-        </p:spPr>
-        <p:style>
-          <a:lnRef idx="0"/>
-          <a:fillRef idx="0"/>
-          <a:effectRef idx="0"/>
-          <a:fontRef idx="minor"/>
-        </p:style>
-        <p:txBody>
-          <a:bodyPr lIns="90000" rIns="90000" tIns="45000" bIns="45000" anchor="t">
-            <a:noAutofit/>
-          </a:bodyPr>
+          <a:p>
+            <a:pPr>
+              <a:lnSpc>
+                <a:spcPct val="100000"/>
+              </a:lnSpc>
+              <a:buNone/>
+            </a:pPr>
+            <a:endParaRPr b="0" lang="en-US" sz="1800" spc="-1" strike="noStrike">
+              <a:latin typeface="Arial"/>
+            </a:endParaRPr>
+          </a:p>
+          <a:p>
+            <a:pPr>
+              <a:lnSpc>
+                <a:spcPct val="100000"/>
+              </a:lnSpc>
+              <a:buNone/>
+            </a:pPr>
+            <a:endParaRPr b="0" lang="en-US" sz="1800" spc="-1" strike="noStrike">
+              <a:latin typeface="Arial"/>
+            </a:endParaRPr>
+          </a:p>
           <a:p>
             <a:pPr>
               <a:lnSpc>
@@ -9321,14 +8633,70 @@
                 <a:latin typeface="Calibri"/>
                 <a:ea typeface="DejaVu Sans"/>
               </a:rPr>
-              <a:t>Un clasificador bayesiano está dado por:</a:t>
+              <a:t>Antes que nada, ¿qué es un clasificador?</a:t>
             </a:r>
             <a:endParaRPr b="0" lang="en-US" sz="2000" spc="-1" strike="noStrike">
               <a:latin typeface="Arial"/>
             </a:endParaRPr>
           </a:p>
-        </p:txBody>
-      </p:sp>
+          <a:p>
+            <a:pPr>
+              <a:lnSpc>
+                <a:spcPct val="100000"/>
+              </a:lnSpc>
+              <a:buNone/>
+            </a:pPr>
+            <a:endParaRPr b="0" lang="en-US" sz="2000" spc="-1" strike="noStrike">
+              <a:latin typeface="Arial"/>
+            </a:endParaRPr>
+          </a:p>
+          <a:p>
+            <a:pPr>
+              <a:lnSpc>
+                <a:spcPct val="100000"/>
+              </a:lnSpc>
+              <a:buNone/>
+            </a:pPr>
+            <a:endParaRPr b="0" lang="en-US" sz="2000" spc="-1" strike="noStrike">
+              <a:latin typeface="Arial"/>
+            </a:endParaRPr>
+          </a:p>
+          <a:p>
+            <a:pPr>
+              <a:lnSpc>
+                <a:spcPct val="100000"/>
+              </a:lnSpc>
+              <a:buNone/>
+            </a:pPr>
+            <a:endParaRPr b="0" lang="en-US" sz="2000" spc="-1" strike="noStrike">
+              <a:latin typeface="Arial"/>
+            </a:endParaRPr>
+          </a:p>
+        </p:txBody>
+      </p:sp>
+      <p:pic>
+        <p:nvPicPr>
+          <p:cNvPr id="147" name="Imagen 147" descr=""/>
+          <p:cNvPicPr/>
+          <p:nvPr/>
+        </p:nvPicPr>
+        <p:blipFill>
+          <a:blip r:embed="rId1"/>
+          <a:stretch/>
+        </p:blipFill>
+        <p:spPr>
+          <a:xfrm>
+            <a:off x="6480000" y="1872000"/>
+            <a:ext cx="3714840" cy="3279240"/>
+          </a:xfrm>
+          <a:prstGeom prst="rect">
+            <a:avLst/>
+          </a:prstGeom>
+          <a:ln w="0">
+            <a:noFill/>
+          </a:ln>
+        </p:spPr>
+      </p:pic>
     </p:spTree>
   </p:cSld>
   <mc:AlternateContent>
@@ -9361,14 +8729,14 @@
       </p:grpSpPr>
       <p:sp>
         <p:nvSpPr>
-          <p:cNvPr id="149" name="CustomShape 1"/>
+          <p:cNvPr id="148" name="CustomShape 1"/>
           <p:cNvSpPr/>
           <p:nvPr/>
         </p:nvSpPr>
         <p:spPr>
           <a:xfrm>
             <a:off x="623520" y="764640"/>
-            <a:ext cx="11134080" cy="572760"/>
+            <a:ext cx="11133720" cy="572400"/>
           </a:xfrm>
           <a:prstGeom prst="rect">
             <a:avLst/>
@@ -9403,7 +8771,7 @@
                 <a:latin typeface="Calibri Light"/>
                 <a:ea typeface="DejaVu Sans"/>
               </a:rPr>
-              <a:t>2.2. Redes Bayesianas</a:t>
+              <a:t>2.2. Clasificadores Bayesianos</a:t>
             </a:r>
             <a:endParaRPr b="0" lang="en-US" sz="4400" spc="-1" strike="noStrike">
               <a:latin typeface="Arial"/>
@@ -9413,14 +8781,14 @@
       </p:sp>
       <p:sp>
         <p:nvSpPr>
-          <p:cNvPr id="150" name="CustomShape 2"/>
+          <p:cNvPr id="149" name="CustomShape 2"/>
           <p:cNvSpPr/>
           <p:nvPr/>
         </p:nvSpPr>
         <p:spPr>
           <a:xfrm>
-            <a:off x="1828800" y="2057400"/>
-            <a:ext cx="8684280" cy="3220200"/>
+            <a:off x="4019040" y="3647520"/>
+            <a:ext cx="69120" cy="166320"/>
           </a:xfrm>
           <a:prstGeom prst="rect">
             <a:avLst/>
@@ -9436,151 +8804,10 @@
           <a:effectRef idx="0"/>
           <a:fontRef idx="minor"/>
         </p:style>
-        <p:txBody>
-          <a:bodyPr lIns="90000" rIns="90000" tIns="45000" bIns="45000" anchor="t">
-            <a:noAutofit/>
-          </a:bodyPr>
-          <a:p>
-            <a:pPr>
-              <a:lnSpc>
-                <a:spcPct val="100000"/>
-              </a:lnSpc>
-              <a:buNone/>
-            </a:pPr>
-            <a:endParaRPr b="0" lang="en-US" sz="1800" spc="-1" strike="noStrike">
-              <a:latin typeface="Arial"/>
-            </a:endParaRPr>
-          </a:p>
-          <a:p>
-            <a:pPr>
-              <a:lnSpc>
-                <a:spcPct val="100000"/>
-              </a:lnSpc>
-              <a:buNone/>
-            </a:pPr>
-            <a:endParaRPr b="0" lang="en-US" sz="1800" spc="-1" strike="noStrike">
-              <a:latin typeface="Arial"/>
-            </a:endParaRPr>
-          </a:p>
-          <a:p>
-            <a:pPr>
-              <a:lnSpc>
-                <a:spcPct val="100000"/>
-              </a:lnSpc>
-              <a:buNone/>
-            </a:pPr>
-            <a:endParaRPr b="0" lang="en-US" sz="1800" spc="-1" strike="noStrike">
-              <a:latin typeface="Arial"/>
-            </a:endParaRPr>
-          </a:p>
-          <a:p>
-            <a:pPr>
-              <a:lnSpc>
-                <a:spcPct val="100000"/>
-              </a:lnSpc>
-              <a:buNone/>
-            </a:pPr>
-            <a:endParaRPr b="0" lang="en-US" sz="1800" spc="-1" strike="noStrike">
-              <a:latin typeface="Arial"/>
-            </a:endParaRPr>
-          </a:p>
-          <a:p>
-            <a:pPr>
-              <a:lnSpc>
-                <a:spcPct val="100000"/>
-              </a:lnSpc>
-              <a:buNone/>
-            </a:pPr>
-            <a:endParaRPr b="0" lang="en-US" sz="1800" spc="-1" strike="noStrike">
-              <a:latin typeface="Arial"/>
-            </a:endParaRPr>
-          </a:p>
-          <a:p>
-            <a:pPr>
-              <a:lnSpc>
-                <a:spcPct val="100000"/>
-              </a:lnSpc>
-              <a:buNone/>
-            </a:pPr>
-            <a:endParaRPr b="0" lang="en-US" sz="1800" spc="-1" strike="noStrike">
-              <a:latin typeface="Arial"/>
-            </a:endParaRPr>
-          </a:p>
-          <a:p>
-            <a:pPr>
-              <a:lnSpc>
-                <a:spcPct val="100000"/>
-              </a:lnSpc>
-              <a:buNone/>
-            </a:pPr>
-            <a:endParaRPr b="0" lang="en-US" sz="1800" spc="-1" strike="noStrike">
-              <a:latin typeface="Arial"/>
-            </a:endParaRPr>
-          </a:p>
-          <a:p>
-            <a:pPr>
-              <a:lnSpc>
-                <a:spcPct val="100000"/>
-              </a:lnSpc>
-              <a:buNone/>
-            </a:pPr>
-            <a:endParaRPr b="0" lang="en-US" sz="1800" spc="-1" strike="noStrike">
-              <a:latin typeface="Arial"/>
-            </a:endParaRPr>
-          </a:p>
-          <a:p>
-            <a:pPr>
-              <a:lnSpc>
-                <a:spcPct val="100000"/>
-              </a:lnSpc>
-              <a:buNone/>
-            </a:pPr>
-            <a:endParaRPr b="0" lang="en-US" sz="1800" spc="-1" strike="noStrike">
-              <a:latin typeface="Arial"/>
-            </a:endParaRPr>
-          </a:p>
-          <a:p>
-            <a:pPr>
-              <a:lnSpc>
-                <a:spcPct val="100000"/>
-              </a:lnSpc>
-              <a:buNone/>
-            </a:pPr>
-            <a:endParaRPr b="0" lang="en-US" sz="1800" spc="-1" strike="noStrike">
-              <a:latin typeface="Arial"/>
-            </a:endParaRPr>
-          </a:p>
-        </p:txBody>
-      </p:sp>
-      <p:sp>
-        <p:nvSpPr>
-          <p:cNvPr id="151" name="CustomShape 3"/>
-          <p:cNvSpPr/>
-          <p:nvPr/>
-        </p:nvSpPr>
-        <p:spPr>
-          <a:xfrm>
-            <a:off x="4019040" y="3647520"/>
-            <a:ext cx="69480" cy="166680"/>
-          </a:xfrm>
-          <a:prstGeom prst="rect">
-            <a:avLst/>
-          </a:prstGeom>
-          <a:noFill/>
-          <a:ln w="0">
-            <a:noFill/>
-          </a:ln>
-        </p:spPr>
-        <p:style>
-          <a:lnRef idx="0"/>
-          <a:fillRef idx="0"/>
-          <a:effectRef idx="0"/>
-          <a:fontRef idx="minor"/>
-        </p:style>
       </p:sp>
       <p:pic>
         <p:nvPicPr>
-          <p:cNvPr id="152" name="Imagen 143" descr=""/>
+          <p:cNvPr id="150" name="Imagen 155" descr=""/>
           <p:cNvPicPr/>
           <p:nvPr/>
         </p:nvPicPr>
@@ -9590,8 +8817,8 @@
         </p:blipFill>
         <p:spPr>
           <a:xfrm>
-            <a:off x="2880000" y="1728000"/>
-            <a:ext cx="5542920" cy="3718800"/>
+            <a:off x="1944000" y="1584000"/>
+            <a:ext cx="8066880" cy="3670560"/>
           </a:xfrm>
           <a:prstGeom prst="rect">
             <a:avLst/>
@@ -9633,14 +8860,14 @@
       </p:grpSpPr>
       <p:sp>
         <p:nvSpPr>
-          <p:cNvPr id="153" name="CustomShape 1"/>
+          <p:cNvPr id="151" name="CustomShape 1"/>
           <p:cNvSpPr/>
           <p:nvPr/>
         </p:nvSpPr>
         <p:spPr>
           <a:xfrm>
             <a:off x="623520" y="764640"/>
-            <a:ext cx="11134080" cy="572760"/>
+            <a:ext cx="11133720" cy="572400"/>
           </a:xfrm>
           <a:prstGeom prst="rect">
             <a:avLst/>
@@ -9675,7 +8902,7 @@
                 <a:latin typeface="Calibri Light"/>
                 <a:ea typeface="DejaVu Sans"/>
               </a:rPr>
-              <a:t>2.2. Redes Bayesianas</a:t>
+              <a:t>2.3. Aprendizaje de las redes Bayesianas</a:t>
             </a:r>
             <a:endParaRPr b="0" lang="en-US" sz="4400" spc="-1" strike="noStrike">
               <a:latin typeface="Arial"/>
@@ -9685,14 +8912,14 @@
       </p:sp>
       <p:sp>
         <p:nvSpPr>
-          <p:cNvPr id="154" name="CustomShape 2"/>
+          <p:cNvPr id="152" name="CustomShape 2"/>
           <p:cNvSpPr/>
           <p:nvPr/>
         </p:nvSpPr>
         <p:spPr>
           <a:xfrm>
-            <a:off x="1828800" y="2057400"/>
-            <a:ext cx="8684280" cy="3220200"/>
+            <a:off x="4019040" y="3647520"/>
+            <a:ext cx="69120" cy="166320"/>
           </a:xfrm>
           <a:prstGeom prst="rect">
             <a:avLst/>
@@ -9708,158 +8935,17 @@
           <a:effectRef idx="0"/>
           <a:fontRef idx="minor"/>
         </p:style>
-        <p:txBody>
-          <a:bodyPr lIns="90000" rIns="90000" tIns="45000" bIns="45000" anchor="t">
-            <a:noAutofit/>
-          </a:bodyPr>
-          <a:p>
-            <a:pPr>
-              <a:lnSpc>
-                <a:spcPct val="100000"/>
-              </a:lnSpc>
-              <a:buNone/>
-            </a:pPr>
-            <a:endParaRPr b="0" lang="en-US" sz="1800" spc="-1" strike="noStrike">
-              <a:latin typeface="Arial"/>
-            </a:endParaRPr>
-          </a:p>
-          <a:p>
-            <a:pPr>
-              <a:lnSpc>
-                <a:spcPct val="100000"/>
-              </a:lnSpc>
-              <a:buNone/>
-            </a:pPr>
-            <a:endParaRPr b="0" lang="en-US" sz="1800" spc="-1" strike="noStrike">
-              <a:latin typeface="Arial"/>
-            </a:endParaRPr>
-          </a:p>
-          <a:p>
-            <a:pPr>
-              <a:lnSpc>
-                <a:spcPct val="100000"/>
-              </a:lnSpc>
-              <a:buNone/>
-            </a:pPr>
-            <a:endParaRPr b="0" lang="en-US" sz="1800" spc="-1" strike="noStrike">
-              <a:latin typeface="Arial"/>
-            </a:endParaRPr>
-          </a:p>
-          <a:p>
-            <a:pPr>
-              <a:lnSpc>
-                <a:spcPct val="100000"/>
-              </a:lnSpc>
-              <a:buNone/>
-            </a:pPr>
-            <a:endParaRPr b="0" lang="en-US" sz="1800" spc="-1" strike="noStrike">
-              <a:latin typeface="Arial"/>
-            </a:endParaRPr>
-          </a:p>
-          <a:p>
-            <a:pPr>
-              <a:lnSpc>
-                <a:spcPct val="100000"/>
-              </a:lnSpc>
-              <a:buNone/>
-            </a:pPr>
-            <a:endParaRPr b="0" lang="en-US" sz="1800" spc="-1" strike="noStrike">
-              <a:latin typeface="Arial"/>
-            </a:endParaRPr>
-          </a:p>
-          <a:p>
-            <a:pPr>
-              <a:lnSpc>
-                <a:spcPct val="100000"/>
-              </a:lnSpc>
-              <a:buNone/>
-            </a:pPr>
-            <a:endParaRPr b="0" lang="en-US" sz="1800" spc="-1" strike="noStrike">
-              <a:latin typeface="Arial"/>
-            </a:endParaRPr>
-          </a:p>
-          <a:p>
-            <a:pPr>
-              <a:lnSpc>
-                <a:spcPct val="100000"/>
-              </a:lnSpc>
-              <a:buNone/>
-            </a:pPr>
-            <a:endParaRPr b="0" lang="en-US" sz="1800" spc="-1" strike="noStrike">
-              <a:latin typeface="Arial"/>
-            </a:endParaRPr>
-          </a:p>
-          <a:p>
-            <a:pPr>
-              <a:lnSpc>
-                <a:spcPct val="100000"/>
-              </a:lnSpc>
-              <a:buNone/>
-            </a:pPr>
-            <a:endParaRPr b="0" lang="en-US" sz="1800" spc="-1" strike="noStrike">
-              <a:latin typeface="Arial"/>
-            </a:endParaRPr>
-          </a:p>
-          <a:p>
-            <a:pPr>
-              <a:lnSpc>
-                <a:spcPct val="100000"/>
-              </a:lnSpc>
-              <a:buNone/>
-            </a:pPr>
-            <a:endParaRPr b="0" lang="en-US" sz="1800" spc="-1" strike="noStrike">
-              <a:latin typeface="Arial"/>
-            </a:endParaRPr>
-          </a:p>
-          <a:p>
-            <a:pPr>
-              <a:lnSpc>
-                <a:spcPct val="100000"/>
-              </a:lnSpc>
-              <a:buNone/>
-            </a:pPr>
-            <a:endParaRPr b="0" lang="en-US" sz="1800" spc="-1" strike="noStrike">
-              <a:latin typeface="Arial"/>
-            </a:endParaRPr>
-          </a:p>
-        </p:txBody>
-      </p:sp>
-      <p:sp>
-        <p:nvSpPr>
-          <p:cNvPr id="155" name="CustomShape 3"/>
+      </p:sp>
+      <p:sp>
+        <p:nvSpPr>
+          <p:cNvPr id="153" name="CuadroTexto 158"/>
           <p:cNvSpPr/>
           <p:nvPr/>
         </p:nvSpPr>
         <p:spPr>
           <a:xfrm>
-            <a:off x="4019040" y="3647520"/>
-            <a:ext cx="69480" cy="166680"/>
-          </a:xfrm>
-          <a:prstGeom prst="rect">
-            <a:avLst/>
-          </a:prstGeom>
-          <a:noFill/>
-          <a:ln w="0">
-            <a:noFill/>
-          </a:ln>
-        </p:spPr>
-        <p:style>
-          <a:lnRef idx="0"/>
-          <a:fillRef idx="0"/>
-          <a:effectRef idx="0"/>
-          <a:fontRef idx="minor"/>
-        </p:style>
-      </p:sp>
-      <p:sp>
-        <p:nvSpPr>
-          <p:cNvPr id="156" name="CustomShape 4"/>
-          <p:cNvSpPr/>
-          <p:nvPr/>
-        </p:nvSpPr>
-        <p:spPr>
-          <a:xfrm>
-            <a:off x="914400" y="1961640"/>
-            <a:ext cx="10513080" cy="2156760"/>
+            <a:off x="685800" y="2971800"/>
+            <a:ext cx="10057680" cy="1863000"/>
           </a:xfrm>
           <a:prstGeom prst="rect">
             <a:avLst/>
@@ -9894,7 +8980,7 @@
                 <a:latin typeface="Calibri"/>
                 <a:ea typeface="DejaVu Sans"/>
               </a:rPr>
-              <a:t>Una red bayesiana consiste en:</a:t>
+              <a:t>- Estructura</a:t>
             </a:r>
             <a:endParaRPr b="0" lang="en-US" sz="2000" spc="-1" strike="noStrike">
               <a:latin typeface="Arial"/>
@@ -9912,16 +8998,22 @@
             </a:endParaRPr>
           </a:p>
           <a:p>
-            <a:pPr lvl="1" marL="432000" indent="-216000">
+            <a:pPr>
               <a:lnSpc>
                 <a:spcPct val="100000"/>
               </a:lnSpc>
-              <a:buClr>
-                <a:srgbClr val="000000"/>
-              </a:buClr>
-              <a:buSzPct val="45000"/>
-              <a:buFont typeface="Wingdings" charset="2"/>
-              <a:buChar char=""/>
+              <a:buNone/>
+            </a:pPr>
+            <a:endParaRPr b="0" lang="en-US" sz="2000" spc="-1" strike="noStrike">
+              <a:latin typeface="Arial"/>
+            </a:endParaRPr>
+          </a:p>
+          <a:p>
+            <a:pPr>
+              <a:lnSpc>
+                <a:spcPct val="100000"/>
+              </a:lnSpc>
+              <a:buNone/>
             </a:pPr>
             <a:r>
               <a:rPr b="0" lang="en-US" sz="2000" spc="-1" strike="noStrike">
@@ -9931,7 +9023,7 @@
                 <a:latin typeface="Calibri"/>
                 <a:ea typeface="DejaVu Sans"/>
               </a:rPr>
-              <a:t>Un conjunto de variables y un conjunto de conexiones directas entre variables.</a:t>
+              <a:t>- Inferencia</a:t>
             </a:r>
             <a:endParaRPr b="0" lang="en-US" sz="2000" spc="-1" strike="noStrike">
               <a:latin typeface="Arial"/>
@@ -9944,106 +9036,6 @@
               </a:lnSpc>
               <a:buNone/>
             </a:pPr>
-            <a:endParaRPr b="0" lang="en-US" sz="2000" spc="-1" strike="noStrike">
-              <a:latin typeface="Arial"/>
-            </a:endParaRPr>
-          </a:p>
-          <a:p>
-            <a:pPr lvl="1" marL="432000" indent="-216000">
-              <a:lnSpc>
-                <a:spcPct val="100000"/>
-              </a:lnSpc>
-              <a:buClr>
-                <a:srgbClr val="000000"/>
-              </a:buClr>
-              <a:buSzPct val="45000"/>
-              <a:buFont typeface="Wingdings" charset="2"/>
-              <a:buChar char=""/>
-            </a:pPr>
-            <a:r>
-              <a:rPr b="0" lang="en-US" sz="2000" spc="-1" strike="noStrike">
-                <a:solidFill>
-                  <a:srgbClr val="000000"/>
-                </a:solidFill>
-                <a:latin typeface="Calibri"/>
-                <a:ea typeface="DejaVu Sans"/>
-              </a:rPr>
-              <a:t>Cada variable tiene un conjunto finito de estados mutuamente exclusivos.</a:t>
-            </a:r>
-            <a:endParaRPr b="0" lang="en-US" sz="2000" spc="-1" strike="noStrike">
-              <a:latin typeface="Arial"/>
-            </a:endParaRPr>
-          </a:p>
-          <a:p>
-            <a:pPr>
-              <a:lnSpc>
-                <a:spcPct val="100000"/>
-              </a:lnSpc>
-              <a:buNone/>
-            </a:pPr>
-            <a:endParaRPr b="0" lang="en-US" sz="2000" spc="-1" strike="noStrike">
-              <a:latin typeface="Arial"/>
-            </a:endParaRPr>
-          </a:p>
-          <a:p>
-            <a:pPr lvl="1" marL="432000" indent="-216000">
-              <a:lnSpc>
-                <a:spcPct val="100000"/>
-              </a:lnSpc>
-              <a:buClr>
-                <a:srgbClr val="000000"/>
-              </a:buClr>
-              <a:buSzPct val="45000"/>
-              <a:buFont typeface="Wingdings" charset="2"/>
-              <a:buChar char=""/>
-            </a:pPr>
-            <a:r>
-              <a:rPr b="0" lang="en-US" sz="2000" spc="-1" strike="noStrike">
-                <a:solidFill>
-                  <a:srgbClr val="000000"/>
-                </a:solidFill>
-                <a:latin typeface="Calibri"/>
-                <a:ea typeface="DejaVu Sans"/>
-              </a:rPr>
-              <a:t>Las variables juntas con conexiones directas forman un grafo acíclico.</a:t>
-            </a:r>
-            <a:endParaRPr b="0" lang="en-US" sz="2000" spc="-1" strike="noStrike">
-              <a:latin typeface="Arial"/>
-            </a:endParaRPr>
-          </a:p>
-          <a:p>
-            <a:pPr>
-              <a:lnSpc>
-                <a:spcPct val="100000"/>
-              </a:lnSpc>
-              <a:buNone/>
-            </a:pPr>
-            <a:endParaRPr b="0" lang="en-US" sz="2000" spc="-1" strike="noStrike">
-              <a:latin typeface="Arial"/>
-            </a:endParaRPr>
-          </a:p>
-          <a:p>
-            <a:pPr lvl="1" marL="432000" indent="-216000">
-              <a:lnSpc>
-                <a:spcPct val="100000"/>
-              </a:lnSpc>
-              <a:buClr>
-                <a:srgbClr val="000000"/>
-              </a:buClr>
-              <a:buSzPct val="45000"/>
-              <a:buFont typeface="Wingdings" charset="2"/>
-              <a:buChar char=""/>
-            </a:pPr>
-            <a:r>
-              <a:rPr b="0" lang="en-US" sz="2000" spc="-1" strike="noStrike">
-                <a:solidFill>
-                  <a:srgbClr val="000000"/>
-                </a:solidFill>
-                <a:latin typeface="Calibri"/>
-                <a:ea typeface="DejaVu Sans"/>
-              </a:rPr>
-              <a:t>Para cada variable A con padres B1, …, Bn, hay adjunta una tabla potencial P(A|B1, …, Bn).</a:t>
-            </a:r>
             <a:endParaRPr b="0" lang="en-US" sz="2000" spc="-1" strike="noStrike">
               <a:latin typeface="Arial"/>
             </a:endParaRPr>
